--- a/English/6.Visuals/1.Columns and Bars.pptx
+++ b/English/6.Visuals/1.Columns and Bars.pptx
@@ -25,7 +25,7 @@
   <p:notesSz cx="6858000" cy="9144000"/>
   <p:defaultTextStyle>
     <a:defPPr>
-      <a:defRPr lang="en-US"/>
+      <a:defRPr lang="en"/>
     </a:defPPr>
     <a:lvl1pPr marL="0" algn="l" defTabSz="914400" rtl="0" eaLnBrk="1" latinLnBrk="0" hangingPunct="1">
       <a:defRPr sz="1800" kern="1200">
@@ -208,7 +208,7 @@
           <a:p>
             <a:fld id="{056BA3B8-9F76-4D81-B71D-76CB85363062}" type="datetimeFigureOut">
               <a:rPr lang="en-US" smtClean="0"/>
-              <a:t>1/4/2025</a:t>
+              <a:t>4/3/2025</a:t>
             </a:fld>
             <a:endParaRPr lang="en-US"/>
           </a:p>
@@ -607,7 +607,7 @@
           <a:p>
             <a:fld id="{6F01DA4D-20EA-48D2-973C-0311EC3005D6}" type="datetimeFigureOut">
               <a:rPr lang="en-US" smtClean="0"/>
-              <a:t>1/4/2025</a:t>
+              <a:t>4/3/2025</a:t>
             </a:fld>
             <a:endParaRPr lang="en-US"/>
           </a:p>
@@ -777,7 +777,7 @@
           <a:p>
             <a:fld id="{6F01DA4D-20EA-48D2-973C-0311EC3005D6}" type="datetimeFigureOut">
               <a:rPr lang="en-US" smtClean="0"/>
-              <a:t>1/4/2025</a:t>
+              <a:t>4/3/2025</a:t>
             </a:fld>
             <a:endParaRPr lang="en-US"/>
           </a:p>
@@ -957,7 +957,7 @@
           <a:p>
             <a:fld id="{6F01DA4D-20EA-48D2-973C-0311EC3005D6}" type="datetimeFigureOut">
               <a:rPr lang="en-US" smtClean="0"/>
-              <a:t>1/4/2025</a:t>
+              <a:t>4/3/2025</a:t>
             </a:fld>
             <a:endParaRPr lang="en-US"/>
           </a:p>
@@ -1127,7 +1127,7 @@
           <a:p>
             <a:fld id="{6F01DA4D-20EA-48D2-973C-0311EC3005D6}" type="datetimeFigureOut">
               <a:rPr lang="en-US" smtClean="0"/>
-              <a:t>1/4/2025</a:t>
+              <a:t>4/3/2025</a:t>
             </a:fld>
             <a:endParaRPr lang="en-US"/>
           </a:p>
@@ -1373,7 +1373,7 @@
           <a:p>
             <a:fld id="{6F01DA4D-20EA-48D2-973C-0311EC3005D6}" type="datetimeFigureOut">
               <a:rPr lang="en-US" smtClean="0"/>
-              <a:t>1/4/2025</a:t>
+              <a:t>4/3/2025</a:t>
             </a:fld>
             <a:endParaRPr lang="en-US"/>
           </a:p>
@@ -1605,7 +1605,7 @@
           <a:p>
             <a:fld id="{6F01DA4D-20EA-48D2-973C-0311EC3005D6}" type="datetimeFigureOut">
               <a:rPr lang="en-US" smtClean="0"/>
-              <a:t>1/4/2025</a:t>
+              <a:t>4/3/2025</a:t>
             </a:fld>
             <a:endParaRPr lang="en-US"/>
           </a:p>
@@ -1972,7 +1972,7 @@
           <a:p>
             <a:fld id="{6F01DA4D-20EA-48D2-973C-0311EC3005D6}" type="datetimeFigureOut">
               <a:rPr lang="en-US" smtClean="0"/>
-              <a:t>1/4/2025</a:t>
+              <a:t>4/3/2025</a:t>
             </a:fld>
             <a:endParaRPr lang="en-US"/>
           </a:p>
@@ -2090,7 +2090,7 @@
           <a:p>
             <a:fld id="{6F01DA4D-20EA-48D2-973C-0311EC3005D6}" type="datetimeFigureOut">
               <a:rPr lang="en-US" smtClean="0"/>
-              <a:t>1/4/2025</a:t>
+              <a:t>4/3/2025</a:t>
             </a:fld>
             <a:endParaRPr lang="en-US"/>
           </a:p>
@@ -2185,7 +2185,7 @@
           <a:p>
             <a:fld id="{6F01DA4D-20EA-48D2-973C-0311EC3005D6}" type="datetimeFigureOut">
               <a:rPr lang="en-US" smtClean="0"/>
-              <a:t>1/4/2025</a:t>
+              <a:t>4/3/2025</a:t>
             </a:fld>
             <a:endParaRPr lang="en-US"/>
           </a:p>
@@ -2462,7 +2462,7 @@
           <a:p>
             <a:fld id="{6F01DA4D-20EA-48D2-973C-0311EC3005D6}" type="datetimeFigureOut">
               <a:rPr lang="en-US" smtClean="0"/>
-              <a:t>1/4/2025</a:t>
+              <a:t>4/3/2025</a:t>
             </a:fld>
             <a:endParaRPr lang="en-US"/>
           </a:p>
@@ -2715,7 +2715,7 @@
           <a:p>
             <a:fld id="{6F01DA4D-20EA-48D2-973C-0311EC3005D6}" type="datetimeFigureOut">
               <a:rPr lang="en-US" smtClean="0"/>
-              <a:t>1/4/2025</a:t>
+              <a:t>4/3/2025</a:t>
             </a:fld>
             <a:endParaRPr lang="en-US"/>
           </a:p>
@@ -2928,7 +2928,7 @@
           <a:p>
             <a:fld id="{6F01DA4D-20EA-48D2-973C-0311EC3005D6}" type="datetimeFigureOut">
               <a:rPr lang="en-US" smtClean="0"/>
-              <a:t>1/4/2025</a:t>
+              <a:t>4/3/2025</a:t>
             </a:fld>
             <a:endParaRPr lang="en-US"/>
           </a:p>
@@ -3364,7 +3364,7 @@
           <a:lstStyle/>
           <a:p>
             <a:r>
-              <a:rPr lang="en-US" sz="8000" b="1" dirty="0">
+              <a:rPr lang="en" sz="8000" b="1" dirty="0">
                 <a:solidFill>
                   <a:srgbClr val="7030A0"/>
                 </a:solidFill>
@@ -3372,7 +3372,7 @@
                 <a:ea typeface="Verdana" panose="020B0604030504040204" pitchFamily="34" charset="0"/>
                 <a:cs typeface="Segoe UI" panose="020B0502040204020203" pitchFamily="34" charset="0"/>
               </a:rPr>
-              <a:t>Columns and Bars</a:t>
+              <a:t>Columns and bars</a:t>
             </a:r>
           </a:p>
         </p:txBody>
@@ -3400,7 +3400,7 @@
           <a:lstStyle/>
           <a:p>
             <a:r>
-              <a:rPr lang="en-US" sz="8000" b="1" dirty="0">
+              <a:rPr lang="en" sz="8000" b="1" dirty="0">
                 <a:solidFill>
                   <a:schemeClr val="bg1"/>
                 </a:solidFill>
@@ -3408,7 +3408,7 @@
                 <a:ea typeface="Verdana" panose="020B0604030504040204" pitchFamily="34" charset="0"/>
                 <a:cs typeface="Segoe UI" panose="020B0502040204020203" pitchFamily="34" charset="0"/>
               </a:rPr>
-              <a:t>Columns and Bars</a:t>
+              <a:t>Columns and bars</a:t>
             </a:r>
           </a:p>
         </p:txBody>
@@ -3466,11 +3466,11 @@
           <a:lstStyle/>
           <a:p>
             <a:r>
-              <a:rPr lang="en-US" sz="2400" dirty="0" smtClean="0">
+              <a:rPr lang="en" sz="2400" dirty="0" smtClean="0">
                 <a:latin typeface="Segoe UI" panose="020B0502040204020203" pitchFamily="34" charset="0"/>
                 <a:cs typeface="Segoe UI" panose="020B0502040204020203" pitchFamily="34" charset="0"/>
               </a:rPr>
-              <a:t>Columns and Bars</a:t>
+              <a:t>Columns and bars</a:t>
             </a:r>
             <a:endParaRPr lang="en-US" sz="2400" dirty="0">
               <a:latin typeface="Segoe UI" panose="020B0502040204020203" pitchFamily="34" charset="0"/>
@@ -3509,12 +3509,12 @@
               </a:spcAft>
             </a:pPr>
             <a:r>
-              <a:rPr lang="en-US" dirty="0" smtClean="0">
-                <a:latin typeface="Segoe UI" panose="020B0502040204020203" pitchFamily="34" charset="0"/>
-                <a:ea typeface="Calibri" panose="020F0502020204030204" pitchFamily="34" charset="0"/>
-                <a:cs typeface="Times New Roman" panose="02020603050405020304" pitchFamily="18" charset="0"/>
-              </a:rPr>
-              <a:t>Select the visualization and try changing the visualization type by selecting each time a column or bar visualization type</a:t>
+              <a:rPr lang="en" dirty="0" smtClean="0">
+                <a:latin typeface="Segoe UI" panose="020B0502040204020203" pitchFamily="34" charset="0"/>
+                <a:ea typeface="Calibri" panose="020F0502020204030204" pitchFamily="34" charset="0"/>
+                <a:cs typeface="Times New Roman" panose="02020603050405020304" pitchFamily="18" charset="0"/>
+              </a:rPr>
+              <a:t>Select the visualization and try changing the visualization type by selecting a column or bar visualization type each time</a:t>
             </a:r>
             <a:endParaRPr lang="en-US" sz="1400" dirty="0">
               <a:latin typeface="Calibri" panose="020F0502020204030204" pitchFamily="34" charset="0"/>
@@ -3556,31 +3556,31 @@
               <a:buChar char="•"/>
             </a:pPr>
             <a:r>
-              <a:rPr lang="fr-FR" dirty="0" err="1">
-                <a:latin typeface="Segoe UI" panose="020B0502040204020203" pitchFamily="34" charset="0"/>
-                <a:ea typeface="Calibri" panose="020F0502020204030204" pitchFamily="34" charset="0"/>
-                <a:cs typeface="Times New Roman" panose="02020603050405020304" pitchFamily="18" charset="0"/>
-              </a:rPr>
-              <a:t>Delete</a:t>
-            </a:r>
-            <a:r>
-              <a:rPr lang="fr-FR" dirty="0">
-                <a:latin typeface="Segoe UI" panose="020B0502040204020203" pitchFamily="34" charset="0"/>
-                <a:ea typeface="Calibri" panose="020F0502020204030204" pitchFamily="34" charset="0"/>
-                <a:cs typeface="Times New Roman" panose="02020603050405020304" pitchFamily="18" charset="0"/>
-              </a:rPr>
-              <a:t> the </a:t>
-            </a:r>
-            <a:r>
-              <a:rPr lang="fr-FR" b="1" dirty="0" err="1">
-                <a:latin typeface="Segoe UI" panose="020B0502040204020203" pitchFamily="34" charset="0"/>
-                <a:ea typeface="Calibri" panose="020F0502020204030204" pitchFamily="34" charset="0"/>
-                <a:cs typeface="Times New Roman" panose="02020603050405020304" pitchFamily="18" charset="0"/>
-              </a:rPr>
-              <a:t>Freight</a:t>
-            </a:r>
-            <a:r>
-              <a:rPr lang="fr-FR" b="1" dirty="0">
+              <a:rPr lang="en" dirty="0" err="1">
+                <a:latin typeface="Segoe UI" panose="020B0502040204020203" pitchFamily="34" charset="0"/>
+                <a:ea typeface="Calibri" panose="020F0502020204030204" pitchFamily="34" charset="0"/>
+                <a:cs typeface="Times New Roman" panose="02020603050405020304" pitchFamily="18" charset="0"/>
+              </a:rPr>
+              <a:t>Remove </a:t>
+            </a:r>
+            <a:r>
+              <a:rPr lang="en" dirty="0">
+                <a:latin typeface="Segoe UI" panose="020B0502040204020203" pitchFamily="34" charset="0"/>
+                <a:ea typeface="Calibri" panose="020F0502020204030204" pitchFamily="34" charset="0"/>
+                <a:cs typeface="Times New Roman" panose="02020603050405020304" pitchFamily="18" charset="0"/>
+              </a:rPr>
+              <a:t>freight</a:t>
+            </a:r>
+            <a:r>
+              <a:rPr lang="en" b="1" dirty="0" err="1">
+                <a:latin typeface="Segoe UI" panose="020B0502040204020203" pitchFamily="34" charset="0"/>
+                <a:ea typeface="Calibri" panose="020F0502020204030204" pitchFamily="34" charset="0"/>
+                <a:cs typeface="Times New Roman" panose="02020603050405020304" pitchFamily="18" charset="0"/>
+              </a:rPr>
+              <a:t>​</a:t>
+            </a:r>
+            <a:r>
+              <a:rPr lang="en" b="1" dirty="0">
                 <a:latin typeface="Segoe UI" panose="020B0502040204020203" pitchFamily="34" charset="0"/>
                 <a:ea typeface="Calibri" panose="020F0502020204030204" pitchFamily="34" charset="0"/>
                 <a:cs typeface="Times New Roman" panose="02020603050405020304" pitchFamily="18" charset="0"/>
@@ -3588,7 +3588,7 @@
               <a:t> </a:t>
             </a:r>
             <a:r>
-              <a:rPr lang="fr-FR" b="1" dirty="0" err="1">
+              <a:rPr lang="en" b="1" dirty="0" err="1">
                 <a:latin typeface="Segoe UI" panose="020B0502040204020203" pitchFamily="34" charset="0"/>
                 <a:ea typeface="Calibri" panose="020F0502020204030204" pitchFamily="34" charset="0"/>
                 <a:cs typeface="Times New Roman" panose="02020603050405020304" pitchFamily="18" charset="0"/>
@@ -3596,7 +3596,7 @@
               <a:t>field</a:t>
             </a:r>
             <a:r>
-              <a:rPr lang="fr-FR" b="1" dirty="0">
+              <a:rPr lang="en" b="1" dirty="0">
                 <a:latin typeface="Segoe UI" panose="020B0502040204020203" pitchFamily="34" charset="0"/>
                 <a:ea typeface="Calibri" panose="020F0502020204030204" pitchFamily="34" charset="0"/>
                 <a:cs typeface="Times New Roman" panose="02020603050405020304" pitchFamily="18" charset="0"/>
@@ -3604,7 +3604,7 @@
               <a:t> </a:t>
             </a:r>
             <a:r>
-              <a:rPr lang="fr-FR" dirty="0">
+              <a:rPr lang="en" dirty="0">
                 <a:latin typeface="Segoe UI" panose="020B0502040204020203" pitchFamily="34" charset="0"/>
                 <a:ea typeface="Calibri" panose="020F0502020204030204" pitchFamily="34" charset="0"/>
                 <a:cs typeface="Times New Roman" panose="02020603050405020304" pitchFamily="18" charset="0"/>
@@ -3612,7 +3612,7 @@
               <a:t>and </a:t>
             </a:r>
             <a:r>
-              <a:rPr lang="fr-FR" dirty="0" err="1">
+              <a:rPr lang="en" dirty="0" err="1">
                 <a:latin typeface="Segoe UI" panose="020B0502040204020203" pitchFamily="34" charset="0"/>
                 <a:ea typeface="Calibri" panose="020F0502020204030204" pitchFamily="34" charset="0"/>
                 <a:cs typeface="Times New Roman" panose="02020603050405020304" pitchFamily="18" charset="0"/>
@@ -3620,7 +3620,7 @@
               <a:t>and</a:t>
             </a:r>
             <a:r>
-              <a:rPr lang="fr-FR" dirty="0">
+              <a:rPr lang="en" dirty="0">
                 <a:latin typeface="Segoe UI" panose="020B0502040204020203" pitchFamily="34" charset="0"/>
                 <a:ea typeface="Calibri" panose="020F0502020204030204" pitchFamily="34" charset="0"/>
                 <a:cs typeface="Times New Roman" panose="02020603050405020304" pitchFamily="18" charset="0"/>
@@ -3628,7 +3628,7 @@
               <a:t> </a:t>
             </a:r>
             <a:r>
-              <a:rPr lang="fr-FR" dirty="0" err="1">
+              <a:rPr lang="en" dirty="0" err="1">
                 <a:latin typeface="Segoe UI" panose="020B0502040204020203" pitchFamily="34" charset="0"/>
                 <a:ea typeface="Calibri" panose="020F0502020204030204" pitchFamily="34" charset="0"/>
                 <a:cs typeface="Times New Roman" panose="02020603050405020304" pitchFamily="18" charset="0"/>
@@ -3636,7 +3636,7 @@
               <a:t>add</a:t>
             </a:r>
             <a:r>
-              <a:rPr lang="fr-FR" dirty="0">
+              <a:rPr lang="en" dirty="0">
                 <a:latin typeface="Segoe UI" panose="020B0502040204020203" pitchFamily="34" charset="0"/>
                 <a:ea typeface="Calibri" panose="020F0502020204030204" pitchFamily="34" charset="0"/>
                 <a:cs typeface="Times New Roman" panose="02020603050405020304" pitchFamily="18" charset="0"/>
@@ -3644,15 +3644,15 @@
               <a:t> </a:t>
             </a:r>
             <a:r>
-              <a:rPr lang="fr-FR" b="1" dirty="0" err="1" smtClean="0">
-                <a:latin typeface="Segoe UI" panose="020B0502040204020203" pitchFamily="34" charset="0"/>
-                <a:ea typeface="Calibri" panose="020F0502020204030204" pitchFamily="34" charset="0"/>
-                <a:cs typeface="Times New Roman" panose="02020603050405020304" pitchFamily="18" charset="0"/>
-              </a:rPr>
-              <a:t>EnglishMonthName</a:t>
-            </a:r>
-            <a:r>
-              <a:rPr lang="fr-FR" dirty="0" smtClean="0">
+              <a:rPr lang="en" b="1" dirty="0" err="1" smtClean="0">
+                <a:latin typeface="Segoe UI" panose="020B0502040204020203" pitchFamily="34" charset="0"/>
+                <a:ea typeface="Calibri" panose="020F0502020204030204" pitchFamily="34" charset="0"/>
+                <a:cs typeface="Times New Roman" panose="02020603050405020304" pitchFamily="18" charset="0"/>
+              </a:rPr>
+              <a:t>Name of the month in English</a:t>
+            </a:r>
+            <a:r>
+              <a:rPr lang="en" dirty="0" smtClean="0">
                 <a:latin typeface="Segoe UI" panose="020B0502040204020203" pitchFamily="34" charset="0"/>
                 <a:ea typeface="Calibri" panose="020F0502020204030204" pitchFamily="34" charset="0"/>
                 <a:cs typeface="Times New Roman" panose="02020603050405020304" pitchFamily="18" charset="0"/>
@@ -3660,7 +3660,7 @@
               <a:t> </a:t>
             </a:r>
             <a:r>
-              <a:rPr lang="fr-FR" dirty="0">
+              <a:rPr lang="en" dirty="0">
                 <a:latin typeface="Segoe UI" panose="020B0502040204020203" pitchFamily="34" charset="0"/>
                 <a:ea typeface="Calibri" panose="020F0502020204030204" pitchFamily="34" charset="0"/>
                 <a:cs typeface="Times New Roman" panose="02020603050405020304" pitchFamily="18" charset="0"/>
@@ -3668,7 +3668,7 @@
               <a:t>to the </a:t>
             </a:r>
             <a:r>
-              <a:rPr lang="fr-FR" dirty="0" err="1">
+              <a:rPr lang="en" dirty="0" err="1">
                 <a:latin typeface="Segoe UI" panose="020B0502040204020203" pitchFamily="34" charset="0"/>
                 <a:ea typeface="Calibri" panose="020F0502020204030204" pitchFamily="34" charset="0"/>
                 <a:cs typeface="Times New Roman" panose="02020603050405020304" pitchFamily="18" charset="0"/>
@@ -3921,11 +3921,11 @@
           <a:lstStyle/>
           <a:p>
             <a:r>
-              <a:rPr lang="en-US" sz="2400" dirty="0" smtClean="0">
+              <a:rPr lang="en" sz="2400" dirty="0" smtClean="0">
                 <a:latin typeface="Segoe UI" panose="020B0502040204020203" pitchFamily="34" charset="0"/>
                 <a:cs typeface="Segoe UI" panose="020B0502040204020203" pitchFamily="34" charset="0"/>
               </a:rPr>
-              <a:t>Columns and Bars</a:t>
+              <a:t>Columns and bars</a:t>
             </a:r>
             <a:endParaRPr lang="en-US" sz="2400" dirty="0">
               <a:latin typeface="Segoe UI" panose="020B0502040204020203" pitchFamily="34" charset="0"/>
@@ -3964,7 +3964,7 @@
               </a:spcAft>
             </a:pPr>
             <a:r>
-              <a:rPr lang="fr-FR" sz="1400" dirty="0" smtClean="0">
+              <a:rPr lang="en" sz="1400" dirty="0" smtClean="0">
                 <a:latin typeface="Segoe UI" panose="020B0502040204020203" pitchFamily="34" charset="0"/>
                 <a:ea typeface="Calibri" panose="020F0502020204030204" pitchFamily="34" charset="0"/>
                 <a:cs typeface="Segoe UI" panose="020B0502040204020203" pitchFamily="34" charset="0"/>
@@ -3972,52 +3972,36 @@
               <a:t>Change the </a:t>
             </a:r>
             <a:r>
-              <a:rPr lang="fr-FR" sz="1400" dirty="0" err="1" smtClean="0">
+              <a:rPr lang="en" sz="1400" dirty="0" err="1" smtClean="0">
                 <a:latin typeface="Segoe UI" panose="020B0502040204020203" pitchFamily="34" charset="0"/>
                 <a:ea typeface="Calibri" panose="020F0502020204030204" pitchFamily="34" charset="0"/>
                 <a:cs typeface="Segoe UI" panose="020B0502040204020203" pitchFamily="34" charset="0"/>
               </a:rPr>
-              <a:t>visual</a:t>
-            </a:r>
-            <a:r>
-              <a:rPr lang="fr-FR" sz="1400" dirty="0" smtClean="0">
+              <a:t>visual type </a:t>
+            </a:r>
+            <a:r>
+              <a:rPr lang="en" sz="1400" dirty="0" smtClean="0">
                 <a:latin typeface="Segoe UI" panose="020B0502040204020203" pitchFamily="34" charset="0"/>
                 <a:ea typeface="Calibri" panose="020F0502020204030204" pitchFamily="34" charset="0"/>
                 <a:cs typeface="Segoe UI" panose="020B0502040204020203" pitchFamily="34" charset="0"/>
               </a:rPr>
-              <a:t> type to 100% </a:t>
-            </a:r>
-            <a:r>
-              <a:rPr lang="fr-FR" sz="1400" dirty="0" err="1" smtClean="0">
+              <a:t>to 100% </a:t>
+            </a:r>
+            <a:r>
+              <a:rPr lang="en" sz="1400" dirty="0" err="1" smtClean="0">
                 <a:latin typeface="Segoe UI" panose="020B0502040204020203" pitchFamily="34" charset="0"/>
                 <a:ea typeface="Calibri" panose="020F0502020204030204" pitchFamily="34" charset="0"/>
                 <a:cs typeface="Segoe UI" panose="020B0502040204020203" pitchFamily="34" charset="0"/>
               </a:rPr>
-              <a:t>Stacked</a:t>
-            </a:r>
-            <a:r>
-              <a:rPr lang="fr-FR" sz="1400" dirty="0" smtClean="0">
+              <a:t>stacked </a:t>
+            </a:r>
+            <a:r>
+              <a:rPr lang="en" sz="1400" dirty="0" smtClean="0">
                 <a:latin typeface="Segoe UI" panose="020B0502040204020203" pitchFamily="34" charset="0"/>
                 <a:ea typeface="Calibri" panose="020F0502020204030204" pitchFamily="34" charset="0"/>
                 <a:cs typeface="Segoe UI" panose="020B0502040204020203" pitchFamily="34" charset="0"/>
               </a:rPr>
-              <a:t> </a:t>
-            </a:r>
-            <a:r>
-              <a:rPr lang="fr-FR" sz="1400" dirty="0" err="1" smtClean="0">
-                <a:latin typeface="Segoe UI" panose="020B0502040204020203" pitchFamily="34" charset="0"/>
-                <a:ea typeface="Calibri" panose="020F0502020204030204" pitchFamily="34" charset="0"/>
-                <a:cs typeface="Segoe UI" panose="020B0502040204020203" pitchFamily="34" charset="0"/>
-              </a:rPr>
-              <a:t>Column</a:t>
-            </a:r>
-            <a:r>
-              <a:rPr lang="fr-FR" sz="1400" dirty="0" smtClean="0">
-                <a:latin typeface="Segoe UI" panose="020B0502040204020203" pitchFamily="34" charset="0"/>
-                <a:ea typeface="Calibri" panose="020F0502020204030204" pitchFamily="34" charset="0"/>
-                <a:cs typeface="Segoe UI" panose="020B0502040204020203" pitchFamily="34" charset="0"/>
-              </a:rPr>
-              <a:t> Type</a:t>
+              <a:t>Type</a:t>
             </a:r>
             <a:endParaRPr lang="en-US" sz="1400" dirty="0">
               <a:latin typeface="Segoe UI" panose="020B0502040204020203" pitchFamily="34" charset="0"/>
@@ -4146,7 +4130,7 @@
         </p:nvSpPr>
         <p:spPr>
           <a:xfrm>
-            <a:off x="2916199" y="2162433"/>
+            <a:off x="2752510" y="2467233"/>
             <a:ext cx="6230360" cy="1569660"/>
           </a:xfrm>
           <a:prstGeom prst="rect">
@@ -4160,6 +4144,7 @@
           </a:bodyPr>
           <a:lstStyle/>
           <a:p>
+            <a:pPr algn="ctr"/>
             <a:r>
               <a:rPr lang="en-US" sz="9600" b="1" dirty="0" smtClean="0">
                 <a:solidFill>
@@ -4190,7 +4175,7 @@
         </p:nvSpPr>
         <p:spPr>
           <a:xfrm>
-            <a:off x="2990336" y="2217861"/>
+            <a:off x="2826647" y="2522661"/>
             <a:ext cx="6230360" cy="1569660"/>
           </a:xfrm>
           <a:prstGeom prst="rect">
@@ -4204,6 +4189,7 @@
           </a:bodyPr>
           <a:lstStyle/>
           <a:p>
+            <a:pPr algn="ctr"/>
             <a:r>
               <a:rPr lang="en-US" sz="9600" b="1" dirty="0" smtClean="0">
                 <a:solidFill>
@@ -4279,11 +4265,11 @@
           <a:lstStyle/>
           <a:p>
             <a:r>
-              <a:rPr lang="en-US" sz="2400" dirty="0" smtClean="0">
+              <a:rPr lang="en" sz="2400" dirty="0" smtClean="0">
                 <a:latin typeface="Segoe UI" panose="020B0502040204020203" pitchFamily="34" charset="0"/>
                 <a:cs typeface="Segoe UI" panose="020B0502040204020203" pitchFamily="34" charset="0"/>
               </a:rPr>
-              <a:t>Columns and Bars</a:t>
+              <a:t>Columns and bars</a:t>
             </a:r>
             <a:endParaRPr lang="en-US" sz="2400" dirty="0">
               <a:latin typeface="Segoe UI" panose="020B0502040204020203" pitchFamily="34" charset="0"/>
@@ -4325,7 +4311,7 @@
               </a:spcAft>
             </a:pPr>
             <a:r>
-              <a:rPr lang="en-US" b="1" kern="0" dirty="0" smtClean="0">
+              <a:rPr lang="en" b="1" kern="0" dirty="0" smtClean="0">
                 <a:latin typeface="Segoe UI" panose="020B0502040204020203" pitchFamily="34" charset="0"/>
                 <a:ea typeface="Times New Roman" panose="02020603050405020304" pitchFamily="18" charset="0"/>
                 <a:cs typeface="Times New Roman" panose="02020603050405020304" pitchFamily="18" charset="0"/>
@@ -4333,28 +4319,12 @@
               <a:t>Note: </a:t>
             </a:r>
             <a:r>
-              <a:rPr lang="en-US" kern="0" dirty="0" smtClean="0">
+              <a:rPr lang="en" kern="0" dirty="0" smtClean="0">
                 <a:latin typeface="Segoe UI" panose="020B0502040204020203" pitchFamily="34" charset="0"/>
                 <a:ea typeface="Times New Roman" panose="02020603050405020304" pitchFamily="18" charset="0"/>
                 <a:cs typeface="Times New Roman" panose="02020603050405020304" pitchFamily="18" charset="0"/>
               </a:rPr>
-              <a:t>This exercise requires the </a:t>
-            </a:r>
-            <a:r>
-              <a:rPr lang="en-US" b="1" kern="0" dirty="0" smtClean="0">
-                <a:latin typeface="Segoe UI" panose="020B0502040204020203" pitchFamily="34" charset="0"/>
-                <a:ea typeface="Times New Roman" panose="02020603050405020304" pitchFamily="18" charset="0"/>
-                <a:cs typeface="Times New Roman" panose="02020603050405020304" pitchFamily="18" charset="0"/>
-              </a:rPr>
-              <a:t>AdventureWorks2016</a:t>
-            </a:r>
-            <a:r>
-              <a:rPr lang="en-US" kern="0" dirty="0" smtClean="0">
-                <a:latin typeface="Segoe UI" panose="020B0502040204020203" pitchFamily="34" charset="0"/>
-                <a:ea typeface="Times New Roman" panose="02020603050405020304" pitchFamily="18" charset="0"/>
-                <a:cs typeface="Times New Roman" panose="02020603050405020304" pitchFamily="18" charset="0"/>
-              </a:rPr>
-              <a:t> database</a:t>
+              <a:t>This exercise requires the database</a:t>
             </a:r>
             <a:endParaRPr lang="en-US" sz="2800" b="1" kern="0" dirty="0">
               <a:effectLst/>
@@ -4395,7 +4365,7 @@
               </a:spcAft>
             </a:pPr>
             <a:r>
-              <a:rPr lang="en-US" dirty="0" smtClean="0">
+              <a:rPr lang="en" dirty="0" smtClean="0">
                 <a:latin typeface="Segoe UI" panose="020B0502040204020203" pitchFamily="34" charset="0"/>
                 <a:ea typeface="Calibri" panose="020F0502020204030204" pitchFamily="34" charset="0"/>
                 <a:cs typeface="Times New Roman" panose="02020603050405020304" pitchFamily="18" charset="0"/>
@@ -4403,7 +4373,7 @@
               <a:t>Import the </a:t>
             </a:r>
             <a:r>
-              <a:rPr lang="en-US" b="1" dirty="0" err="1" smtClean="0">
+              <a:rPr lang="en" b="1" dirty="0" err="1" smtClean="0">
                 <a:latin typeface="Segoe UI" panose="020B0502040204020203" pitchFamily="34" charset="0"/>
                 <a:ea typeface="Calibri" panose="020F0502020204030204" pitchFamily="34" charset="0"/>
                 <a:cs typeface="Times New Roman" panose="02020603050405020304" pitchFamily="18" charset="0"/>
@@ -4411,7 +4381,7 @@
               <a:t>DimDate</a:t>
             </a:r>
             <a:r>
-              <a:rPr lang="en-US" b="1" dirty="0" smtClean="0">
+              <a:rPr lang="en" b="1" dirty="0" smtClean="0">
                 <a:latin typeface="Segoe UI" panose="020B0502040204020203" pitchFamily="34" charset="0"/>
                 <a:ea typeface="Calibri" panose="020F0502020204030204" pitchFamily="34" charset="0"/>
                 <a:cs typeface="Times New Roman" panose="02020603050405020304" pitchFamily="18" charset="0"/>
@@ -4419,7 +4389,7 @@
               <a:t> </a:t>
             </a:r>
             <a:r>
-              <a:rPr lang="en-US" dirty="0" smtClean="0">
+              <a:rPr lang="en" dirty="0" smtClean="0">
                 <a:latin typeface="Segoe UI" panose="020B0502040204020203" pitchFamily="34" charset="0"/>
                 <a:ea typeface="Calibri" panose="020F0502020204030204" pitchFamily="34" charset="0"/>
                 <a:cs typeface="Times New Roman" panose="02020603050405020304" pitchFamily="18" charset="0"/>
@@ -4427,7 +4397,7 @@
               <a:t>and </a:t>
             </a:r>
             <a:r>
-              <a:rPr lang="en-US" b="1" dirty="0" err="1" smtClean="0">
+              <a:rPr lang="en" b="1" dirty="0" err="1" smtClean="0">
                 <a:latin typeface="Segoe UI" panose="020B0502040204020203" pitchFamily="34" charset="0"/>
                 <a:ea typeface="Calibri" panose="020F0502020204030204" pitchFamily="34" charset="0"/>
                 <a:cs typeface="Times New Roman" panose="02020603050405020304" pitchFamily="18" charset="0"/>
@@ -4435,7 +4405,7 @@
               <a:t>FactInternetSales</a:t>
             </a:r>
             <a:r>
-              <a:rPr lang="en-US" b="1" dirty="0" smtClean="0">
+              <a:rPr lang="en" b="1" dirty="0" smtClean="0">
                 <a:latin typeface="Segoe UI" panose="020B0502040204020203" pitchFamily="34" charset="0"/>
                 <a:ea typeface="Calibri" panose="020F0502020204030204" pitchFamily="34" charset="0"/>
                 <a:cs typeface="Times New Roman" panose="02020603050405020304" pitchFamily="18" charset="0"/>
@@ -4443,15 +4413,15 @@
               <a:t> </a:t>
             </a:r>
             <a:r>
-              <a:rPr lang="en-US" dirty="0" smtClean="0">
-                <a:latin typeface="Segoe UI" panose="020B0502040204020203" pitchFamily="34" charset="0"/>
-                <a:ea typeface="Calibri" panose="020F0502020204030204" pitchFamily="34" charset="0"/>
-                <a:cs typeface="Times New Roman" panose="02020603050405020304" pitchFamily="18" charset="0"/>
-              </a:rPr>
-              <a:t>tables</a:t>
-            </a:r>
-            <a:r>
-              <a:rPr lang="en-US" b="1" dirty="0" smtClean="0">
+              <a:rPr lang="en" dirty="0" smtClean="0">
+                <a:latin typeface="Segoe UI" panose="020B0502040204020203" pitchFamily="34" charset="0"/>
+                <a:ea typeface="Calibri" panose="020F0502020204030204" pitchFamily="34" charset="0"/>
+                <a:cs typeface="Times New Roman" panose="02020603050405020304" pitchFamily="18" charset="0"/>
+              </a:rPr>
+              <a:t>paintings </a:t>
+            </a:r>
+            <a:r>
+              <a:rPr lang="en" b="1" dirty="0" smtClean="0">
                 <a:latin typeface="Segoe UI" panose="020B0502040204020203" pitchFamily="34" charset="0"/>
                 <a:ea typeface="Calibri" panose="020F0502020204030204" pitchFamily="34" charset="0"/>
                 <a:cs typeface="Times New Roman" panose="02020603050405020304" pitchFamily="18" charset="0"/>
@@ -4459,7 +4429,7 @@
               <a:t> </a:t>
             </a:r>
             <a:r>
-              <a:rPr lang="en-US" dirty="0" smtClean="0">
+              <a:rPr lang="en" dirty="0" smtClean="0">
                 <a:latin typeface="Segoe UI" panose="020B0502040204020203" pitchFamily="34" charset="0"/>
                 <a:ea typeface="Calibri" panose="020F0502020204030204" pitchFamily="34" charset="0"/>
                 <a:cs typeface="Times New Roman" panose="02020603050405020304" pitchFamily="18" charset="0"/>
@@ -4467,7 +4437,7 @@
               <a:t>from the </a:t>
             </a:r>
             <a:r>
-              <a:rPr lang="en-US" b="1" dirty="0" smtClean="0">
+              <a:rPr lang="en" b="1" dirty="0" smtClean="0">
                 <a:latin typeface="Segoe UI" panose="020B0502040204020203" pitchFamily="34" charset="0"/>
                 <a:ea typeface="Calibri" panose="020F0502020204030204" pitchFamily="34" charset="0"/>
                 <a:cs typeface="Times New Roman" panose="02020603050405020304" pitchFamily="18" charset="0"/>
@@ -4475,7 +4445,7 @@
               <a:t>AdventureWorks2016 database</a:t>
             </a:r>
             <a:r>
-              <a:rPr lang="en-US" dirty="0" smtClean="0">
+              <a:rPr lang="en" dirty="0" smtClean="0">
                 <a:latin typeface="Segoe UI" panose="020B0502040204020203" pitchFamily="34" charset="0"/>
                 <a:ea typeface="Calibri" panose="020F0502020204030204" pitchFamily="34" charset="0"/>
                 <a:cs typeface="Times New Roman" panose="02020603050405020304" pitchFamily="18" charset="0"/>
@@ -4521,7 +4491,7 @@
               </a:spcAft>
             </a:pPr>
             <a:r>
-              <a:rPr lang="en-US" dirty="0" smtClean="0">
+              <a:rPr lang="en" dirty="0" smtClean="0">
                 <a:latin typeface="Segoe UI" panose="020B0502040204020203" pitchFamily="34" charset="0"/>
                 <a:ea typeface="Calibri" panose="020F0502020204030204" pitchFamily="34" charset="0"/>
                 <a:cs typeface="Times New Roman" panose="02020603050405020304" pitchFamily="18" charset="0"/>
@@ -4529,7 +4499,7 @@
               <a:t>In the </a:t>
             </a:r>
             <a:r>
-              <a:rPr lang="en-US" b="1" dirty="0" smtClean="0">
+              <a:rPr lang="en" b="1" dirty="0" smtClean="0">
                 <a:latin typeface="Segoe UI" panose="020B0502040204020203" pitchFamily="34" charset="0"/>
                 <a:ea typeface="Calibri" panose="020F0502020204030204" pitchFamily="34" charset="0"/>
                 <a:cs typeface="Times New Roman" panose="02020603050405020304" pitchFamily="18" charset="0"/>
@@ -4537,12 +4507,12 @@
               <a:t>Visualizations area </a:t>
             </a:r>
             <a:r>
-              <a:rPr lang="en-US" dirty="0" smtClean="0">
-                <a:latin typeface="Segoe UI" panose="020B0502040204020203" pitchFamily="34" charset="0"/>
-                <a:ea typeface="Calibri" panose="020F0502020204030204" pitchFamily="34" charset="0"/>
-                <a:cs typeface="Times New Roman" panose="02020603050405020304" pitchFamily="18" charset="0"/>
-              </a:rPr>
-              <a:t>, try hovering over the first 5 items </a:t>
+              <a:rPr lang="en" dirty="0" smtClean="0">
+                <a:latin typeface="Segoe UI" panose="020B0502040204020203" pitchFamily="34" charset="0"/>
+                <a:ea typeface="Calibri" panose="020F0502020204030204" pitchFamily="34" charset="0"/>
+                <a:cs typeface="Times New Roman" panose="02020603050405020304" pitchFamily="18" charset="0"/>
+              </a:rPr>
+              <a:t>, try hovering over the first 5 items</a:t>
             </a:r>
             <a:endParaRPr lang="en-US" sz="1400" dirty="0">
               <a:effectLst/>
@@ -4727,11 +4697,11 @@
           <a:lstStyle/>
           <a:p>
             <a:r>
-              <a:rPr lang="en-US" sz="2400" dirty="0" smtClean="0">
+              <a:rPr lang="en" sz="2400" dirty="0" smtClean="0">
                 <a:latin typeface="Segoe UI" panose="020B0502040204020203" pitchFamily="34" charset="0"/>
                 <a:cs typeface="Segoe UI" panose="020B0502040204020203" pitchFamily="34" charset="0"/>
               </a:rPr>
-              <a:t>Columns and Bars</a:t>
+              <a:t>Columns and bars</a:t>
             </a:r>
             <a:endParaRPr lang="en-US" sz="2400" dirty="0">
               <a:latin typeface="Segoe UI" panose="020B0502040204020203" pitchFamily="34" charset="0"/>
@@ -4770,7 +4740,7 @@
               </a:spcAft>
             </a:pPr>
             <a:r>
-              <a:rPr lang="en-US" dirty="0" smtClean="0">
+              <a:rPr lang="en" dirty="0" smtClean="0">
                 <a:latin typeface="Segoe UI" panose="020B0502040204020203" pitchFamily="34" charset="0"/>
                 <a:ea typeface="Calibri" panose="020F0502020204030204" pitchFamily="34" charset="0"/>
                 <a:cs typeface="Times New Roman" panose="02020603050405020304" pitchFamily="18" charset="0"/>
@@ -4778,15 +4748,15 @@
               <a:t>Add the </a:t>
             </a:r>
             <a:r>
-              <a:rPr lang="en-US" b="1" dirty="0" smtClean="0">
-                <a:latin typeface="Segoe UI" panose="020B0502040204020203" pitchFamily="34" charset="0"/>
-                <a:ea typeface="Calibri" panose="020F0502020204030204" pitchFamily="34" charset="0"/>
-                <a:cs typeface="Times New Roman" panose="02020603050405020304" pitchFamily="18" charset="0"/>
-              </a:rPr>
-              <a:t>Stacked bar chart visualization </a:t>
-            </a:r>
-            <a:r>
-              <a:rPr lang="en-US" dirty="0" smtClean="0">
+              <a:rPr lang="en" b="1" dirty="0" smtClean="0">
+                <a:latin typeface="Segoe UI" panose="020B0502040204020203" pitchFamily="34" charset="0"/>
+                <a:ea typeface="Calibri" panose="020F0502020204030204" pitchFamily="34" charset="0"/>
+                <a:cs typeface="Times New Roman" panose="02020603050405020304" pitchFamily="18" charset="0"/>
+              </a:rPr>
+              <a:t>stacked bar chart visualization </a:t>
+            </a:r>
+            <a:r>
+              <a:rPr lang="en" dirty="0" smtClean="0">
                 <a:latin typeface="Segoe UI" panose="020B0502040204020203" pitchFamily="34" charset="0"/>
                 <a:ea typeface="Calibri" panose="020F0502020204030204" pitchFamily="34" charset="0"/>
                 <a:cs typeface="Times New Roman" panose="02020603050405020304" pitchFamily="18" charset="0"/>
@@ -4871,7 +4841,7 @@
               </a:spcAft>
             </a:pPr>
             <a:r>
-              <a:rPr lang="fr-FR" dirty="0">
+              <a:rPr lang="en" dirty="0">
                 <a:latin typeface="Segoe UI" panose="020B0502040204020203" pitchFamily="34" charset="0"/>
                 <a:ea typeface="Calibri" panose="020F0502020204030204" pitchFamily="34" charset="0"/>
                 <a:cs typeface="Times New Roman" panose="02020603050405020304" pitchFamily="18" charset="0"/>
@@ -4879,23 +4849,23 @@
               <a:t>There </a:t>
             </a:r>
             <a:r>
-              <a:rPr lang="fr-FR" dirty="0" err="1">
-                <a:latin typeface="Segoe UI" panose="020B0502040204020203" pitchFamily="34" charset="0"/>
-                <a:ea typeface="Calibri" panose="020F0502020204030204" pitchFamily="34" charset="0"/>
-                <a:cs typeface="Times New Roman" panose="02020603050405020304" pitchFamily="18" charset="0"/>
-              </a:rPr>
-              <a:t>is</a:t>
-            </a:r>
-            <a:r>
-              <a:rPr lang="fr-FR" dirty="0">
-                <a:latin typeface="Segoe UI" panose="020B0502040204020203" pitchFamily="34" charset="0"/>
-                <a:ea typeface="Calibri" panose="020F0502020204030204" pitchFamily="34" charset="0"/>
-                <a:cs typeface="Times New Roman" panose="02020603050405020304" pitchFamily="18" charset="0"/>
-              </a:rPr>
-              <a:t> the </a:t>
-            </a:r>
-            <a:r>
-              <a:rPr lang="fr-FR" b="1" dirty="0" err="1">
+              <a:rPr lang="en" dirty="0" err="1">
+                <a:latin typeface="Segoe UI" panose="020B0502040204020203" pitchFamily="34" charset="0"/>
+                <a:ea typeface="Calibri" panose="020F0502020204030204" pitchFamily="34" charset="0"/>
+                <a:cs typeface="Times New Roman" panose="02020603050405020304" pitchFamily="18" charset="0"/>
+              </a:rPr>
+              <a:t>is </a:t>
+            </a:r>
+            <a:r>
+              <a:rPr lang="en" dirty="0">
+                <a:latin typeface="Segoe UI" panose="020B0502040204020203" pitchFamily="34" charset="0"/>
+                <a:ea typeface="Calibri" panose="020F0502020204030204" pitchFamily="34" charset="0"/>
+                <a:cs typeface="Times New Roman" panose="02020603050405020304" pitchFamily="18" charset="0"/>
+              </a:rPr>
+              <a:t>the </a:t>
+            </a:r>
+            <a:r>
+              <a:rPr lang="en" b="1" dirty="0" err="1">
                 <a:latin typeface="Segoe UI" panose="020B0502040204020203" pitchFamily="34" charset="0"/>
                 <a:ea typeface="Calibri" panose="020F0502020204030204" pitchFamily="34" charset="0"/>
                 <a:cs typeface="Times New Roman" panose="02020603050405020304" pitchFamily="18" charset="0"/>
@@ -4903,7 +4873,7 @@
               <a:t>filter</a:t>
             </a:r>
             <a:r>
-              <a:rPr lang="fr-FR" b="1" dirty="0">
+              <a:rPr lang="en" b="1" dirty="0">
                 <a:latin typeface="Segoe UI" panose="020B0502040204020203" pitchFamily="34" charset="0"/>
                 <a:ea typeface="Calibri" panose="020F0502020204030204" pitchFamily="34" charset="0"/>
                 <a:cs typeface="Times New Roman" panose="02020603050405020304" pitchFamily="18" charset="0"/>
@@ -4911,15 +4881,15 @@
               <a:t> </a:t>
             </a:r>
             <a:r>
-              <a:rPr lang="fr-FR" b="1" dirty="0" err="1">
-                <a:latin typeface="Segoe UI" panose="020B0502040204020203" pitchFamily="34" charset="0"/>
-                <a:ea typeface="Calibri" panose="020F0502020204030204" pitchFamily="34" charset="0"/>
-                <a:cs typeface="Times New Roman" panose="02020603050405020304" pitchFamily="18" charset="0"/>
-              </a:rPr>
-              <a:t>feature</a:t>
-            </a:r>
-            <a:r>
-              <a:rPr lang="fr-FR" b="1" dirty="0">
+              <a:rPr lang="en" b="1" dirty="0" err="1">
+                <a:latin typeface="Segoe UI" panose="020B0502040204020203" pitchFamily="34" charset="0"/>
+                <a:ea typeface="Calibri" panose="020F0502020204030204" pitchFamily="34" charset="0"/>
+                <a:cs typeface="Times New Roman" panose="02020603050405020304" pitchFamily="18" charset="0"/>
+              </a:rPr>
+              <a:t>functionality</a:t>
+            </a:r>
+            <a:r>
+              <a:rPr lang="en" b="1" dirty="0">
                 <a:latin typeface="Segoe UI" panose="020B0502040204020203" pitchFamily="34" charset="0"/>
                 <a:ea typeface="Calibri" panose="020F0502020204030204" pitchFamily="34" charset="0"/>
                 <a:cs typeface="Times New Roman" panose="02020603050405020304" pitchFamily="18" charset="0"/>
@@ -4927,7 +4897,7 @@
               <a:t> </a:t>
             </a:r>
             <a:r>
-              <a:rPr lang="fr-FR" dirty="0">
+              <a:rPr lang="en" dirty="0">
                 <a:latin typeface="Segoe UI" panose="020B0502040204020203" pitchFamily="34" charset="0"/>
                 <a:ea typeface="Calibri" panose="020F0502020204030204" pitchFamily="34" charset="0"/>
                 <a:cs typeface="Times New Roman" panose="02020603050405020304" pitchFamily="18" charset="0"/>
@@ -4935,7 +4905,7 @@
               <a:t>, the </a:t>
             </a:r>
             <a:r>
-              <a:rPr lang="fr-FR" b="1" dirty="0">
+              <a:rPr lang="en" b="1" dirty="0">
                 <a:latin typeface="Segoe UI" panose="020B0502040204020203" pitchFamily="34" charset="0"/>
                 <a:ea typeface="Calibri" panose="020F0502020204030204" pitchFamily="34" charset="0"/>
                 <a:cs typeface="Times New Roman" panose="02020603050405020304" pitchFamily="18" charset="0"/>
@@ -4943,23 +4913,15 @@
               <a:t>focus </a:t>
             </a:r>
             <a:r>
-              <a:rPr lang="fr-FR" b="1" dirty="0" err="1">
-                <a:latin typeface="Segoe UI" panose="020B0502040204020203" pitchFamily="34" charset="0"/>
-                <a:ea typeface="Calibri" panose="020F0502020204030204" pitchFamily="34" charset="0"/>
-                <a:cs typeface="Times New Roman" panose="02020603050405020304" pitchFamily="18" charset="0"/>
-              </a:rPr>
-              <a:t>feature</a:t>
-            </a:r>
-            <a:r>
-              <a:rPr lang="fr-FR" b="1" dirty="0">
-                <a:latin typeface="Segoe UI" panose="020B0502040204020203" pitchFamily="34" charset="0"/>
-                <a:ea typeface="Calibri" panose="020F0502020204030204" pitchFamily="34" charset="0"/>
-                <a:cs typeface="Times New Roman" panose="02020603050405020304" pitchFamily="18" charset="0"/>
-              </a:rPr>
-              <a:t> </a:t>
-            </a:r>
-            <a:r>
-              <a:rPr lang="fr-FR" dirty="0">
+              <a:rPr lang="en" b="1" dirty="0" err="1">
+                <a:latin typeface="Segoe UI" panose="020B0502040204020203" pitchFamily="34" charset="0"/>
+                <a:ea typeface="Calibri" panose="020F0502020204030204" pitchFamily="34" charset="0"/>
+                <a:cs typeface="Times New Roman" panose="02020603050405020304" pitchFamily="18" charset="0"/>
+              </a:rPr>
+              <a:t>function </a:t>
+            </a:r>
+            <a:r>
+              <a:rPr lang="en" dirty="0">
                 <a:latin typeface="Segoe UI" panose="020B0502040204020203" pitchFamily="34" charset="0"/>
                 <a:ea typeface="Calibri" panose="020F0502020204030204" pitchFamily="34" charset="0"/>
                 <a:cs typeface="Times New Roman" panose="02020603050405020304" pitchFamily="18" charset="0"/>
@@ -4967,31 +4929,23 @@
               <a:t>and the </a:t>
             </a:r>
             <a:r>
-              <a:rPr lang="fr-FR" b="1" dirty="0">
-                <a:latin typeface="Segoe UI" panose="020B0502040204020203" pitchFamily="34" charset="0"/>
-                <a:ea typeface="Calibri" panose="020F0502020204030204" pitchFamily="34" charset="0"/>
-                <a:cs typeface="Times New Roman" panose="02020603050405020304" pitchFamily="18" charset="0"/>
-              </a:rPr>
-              <a:t>spot light </a:t>
-            </a:r>
-            <a:r>
-              <a:rPr lang="fr-FR" b="1" dirty="0" err="1">
-                <a:latin typeface="Segoe UI" panose="020B0502040204020203" pitchFamily="34" charset="0"/>
-                <a:ea typeface="Calibri" panose="020F0502020204030204" pitchFamily="34" charset="0"/>
-                <a:cs typeface="Times New Roman" panose="02020603050405020304" pitchFamily="18" charset="0"/>
-              </a:rPr>
-              <a:t>feature</a:t>
-            </a:r>
-            <a:r>
-              <a:rPr lang="fr-FR" b="1" dirty="0">
-                <a:latin typeface="Segoe UI" panose="020B0502040204020203" pitchFamily="34" charset="0"/>
-                <a:ea typeface="Calibri" panose="020F0502020204030204" pitchFamily="34" charset="0"/>
-                <a:cs typeface="Times New Roman" panose="02020603050405020304" pitchFamily="18" charset="0"/>
-              </a:rPr>
-              <a:t>.</a:t>
-            </a:r>
-            <a:r>
-              <a:rPr lang="fr-FR" dirty="0">
+              <a:rPr lang="en" b="1" dirty="0">
+                <a:latin typeface="Segoe UI" panose="020B0502040204020203" pitchFamily="34" charset="0"/>
+                <a:ea typeface="Calibri" panose="020F0502020204030204" pitchFamily="34" charset="0"/>
+                <a:cs typeface="Times New Roman" panose="02020603050405020304" pitchFamily="18" charset="0"/>
+              </a:rPr>
+              <a:t>spot </a:t>
+            </a:r>
+            <a:r>
+              <a:rPr lang="en" b="1" dirty="0" err="1">
+                <a:latin typeface="Segoe UI" panose="020B0502040204020203" pitchFamily="34" charset="0"/>
+                <a:ea typeface="Calibri" panose="020F0502020204030204" pitchFamily="34" charset="0"/>
+                <a:cs typeface="Times New Roman" panose="02020603050405020304" pitchFamily="18" charset="0"/>
+              </a:rPr>
+              <a:t>function .</a:t>
+            </a:r>
+            <a:r>
+              <a:rPr lang="en" dirty="0">
                 <a:latin typeface="Segoe UI" panose="020B0502040204020203" pitchFamily="34" charset="0"/>
                 <a:ea typeface="Calibri" panose="020F0502020204030204" pitchFamily="34" charset="0"/>
                 <a:cs typeface="Times New Roman" panose="02020603050405020304" pitchFamily="18" charset="0"/>
@@ -5094,11 +5048,11 @@
           <a:lstStyle/>
           <a:p>
             <a:r>
-              <a:rPr lang="en-US" sz="2400" dirty="0" smtClean="0">
+              <a:rPr lang="en" sz="2400" dirty="0" smtClean="0">
                 <a:latin typeface="Segoe UI" panose="020B0502040204020203" pitchFamily="34" charset="0"/>
                 <a:cs typeface="Segoe UI" panose="020B0502040204020203" pitchFamily="34" charset="0"/>
               </a:rPr>
-              <a:t>Columns and Bars</a:t>
+              <a:t>Columns and bars</a:t>
             </a:r>
             <a:endParaRPr lang="en-US" sz="2400" dirty="0">
               <a:latin typeface="Segoe UI" panose="020B0502040204020203" pitchFamily="34" charset="0"/>
@@ -5137,15 +5091,15 @@
               </a:spcAft>
             </a:pPr>
             <a:r>
-              <a:rPr lang="fr-FR" dirty="0">
-                <a:latin typeface="Segoe UI" panose="020B0502040204020203" pitchFamily="34" charset="0"/>
-                <a:ea typeface="Calibri" panose="020F0502020204030204" pitchFamily="34" charset="0"/>
-                <a:cs typeface="Times New Roman" panose="02020603050405020304" pitchFamily="18" charset="0"/>
-              </a:rPr>
-              <a:t>Notice the </a:t>
-            </a:r>
-            <a:r>
-              <a:rPr lang="fr-FR" dirty="0" err="1">
+              <a:rPr lang="en" dirty="0">
+                <a:latin typeface="Segoe UI" panose="020B0502040204020203" pitchFamily="34" charset="0"/>
+                <a:ea typeface="Calibri" panose="020F0502020204030204" pitchFamily="34" charset="0"/>
+                <a:cs typeface="Times New Roman" panose="02020603050405020304" pitchFamily="18" charset="0"/>
+              </a:rPr>
+              <a:t>Note the </a:t>
+            </a:r>
+            <a:r>
+              <a:rPr lang="en" dirty="0" err="1">
                 <a:latin typeface="Segoe UI" panose="020B0502040204020203" pitchFamily="34" charset="0"/>
                 <a:ea typeface="Calibri" panose="020F0502020204030204" pitchFamily="34" charset="0"/>
                 <a:cs typeface="Times New Roman" panose="02020603050405020304" pitchFamily="18" charset="0"/>
@@ -5153,7 +5107,7 @@
               <a:t>following</a:t>
             </a:r>
             <a:r>
-              <a:rPr lang="fr-FR" dirty="0">
+              <a:rPr lang="en" dirty="0">
                 <a:latin typeface="Segoe UI" panose="020B0502040204020203" pitchFamily="34" charset="0"/>
                 <a:ea typeface="Calibri" panose="020F0502020204030204" pitchFamily="34" charset="0"/>
                 <a:cs typeface="Times New Roman" panose="02020603050405020304" pitchFamily="18" charset="0"/>
@@ -5161,84 +5115,68 @@
               <a:t> </a:t>
             </a:r>
             <a:r>
-              <a:rPr lang="fr-FR" dirty="0" err="1">
-                <a:latin typeface="Segoe UI" panose="020B0502040204020203" pitchFamily="34" charset="0"/>
-                <a:ea typeface="Calibri" panose="020F0502020204030204" pitchFamily="34" charset="0"/>
-                <a:cs typeface="Times New Roman" panose="02020603050405020304" pitchFamily="18" charset="0"/>
-              </a:rPr>
-              <a:t>three</a:t>
-            </a:r>
-            <a:r>
-              <a:rPr lang="fr-FR" dirty="0">
-                <a:latin typeface="Segoe UI" panose="020B0502040204020203" pitchFamily="34" charset="0"/>
-                <a:ea typeface="Calibri" panose="020F0502020204030204" pitchFamily="34" charset="0"/>
-                <a:cs typeface="Times New Roman" panose="02020603050405020304" pitchFamily="18" charset="0"/>
-              </a:rPr>
-              <a:t> sections </a:t>
-            </a:r>
-            <a:r>
-              <a:rPr lang="fr-FR" dirty="0" err="1">
-                <a:latin typeface="Segoe UI" panose="020B0502040204020203" pitchFamily="34" charset="0"/>
-                <a:ea typeface="Calibri" panose="020F0502020204030204" pitchFamily="34" charset="0"/>
-                <a:cs typeface="Times New Roman" panose="02020603050405020304" pitchFamily="18" charset="0"/>
-              </a:rPr>
-              <a:t>just</a:t>
-            </a:r>
-            <a:r>
-              <a:rPr lang="fr-FR" dirty="0">
-                <a:latin typeface="Segoe UI" panose="020B0502040204020203" pitchFamily="34" charset="0"/>
-                <a:ea typeface="Calibri" panose="020F0502020204030204" pitchFamily="34" charset="0"/>
-                <a:cs typeface="Times New Roman" panose="02020603050405020304" pitchFamily="18" charset="0"/>
-              </a:rPr>
-              <a:t> </a:t>
-            </a:r>
-            <a:r>
-              <a:rPr lang="fr-FR" dirty="0" err="1">
-                <a:latin typeface="Segoe UI" panose="020B0502040204020203" pitchFamily="34" charset="0"/>
-                <a:ea typeface="Calibri" panose="020F0502020204030204" pitchFamily="34" charset="0"/>
-                <a:cs typeface="Times New Roman" panose="02020603050405020304" pitchFamily="18" charset="0"/>
-              </a:rPr>
-              <a:t>below</a:t>
-            </a:r>
-            <a:r>
-              <a:rPr lang="fr-FR" dirty="0">
-                <a:latin typeface="Segoe UI" panose="020B0502040204020203" pitchFamily="34" charset="0"/>
-                <a:ea typeface="Calibri" panose="020F0502020204030204" pitchFamily="34" charset="0"/>
-                <a:cs typeface="Times New Roman" panose="02020603050405020304" pitchFamily="18" charset="0"/>
-              </a:rPr>
-              <a:t> the </a:t>
-            </a:r>
-            <a:r>
-              <a:rPr lang="fr-FR" b="1" dirty="0" err="1">
-                <a:latin typeface="Segoe UI" panose="020B0502040204020203" pitchFamily="34" charset="0"/>
-                <a:ea typeface="Calibri" panose="020F0502020204030204" pitchFamily="34" charset="0"/>
-                <a:cs typeface="Times New Roman" panose="02020603050405020304" pitchFamily="18" charset="0"/>
-              </a:rPr>
-              <a:t>Visualizations</a:t>
-            </a:r>
-            <a:r>
-              <a:rPr lang="fr-FR" b="1" dirty="0">
-                <a:latin typeface="Segoe UI" panose="020B0502040204020203" pitchFamily="34" charset="0"/>
-                <a:ea typeface="Calibri" panose="020F0502020204030204" pitchFamily="34" charset="0"/>
-                <a:cs typeface="Times New Roman" panose="02020603050405020304" pitchFamily="18" charset="0"/>
-              </a:rPr>
-              <a:t> section </a:t>
-            </a:r>
-            <a:r>
-              <a:rPr lang="fr-FR" dirty="0">
-                <a:latin typeface="Segoe UI" panose="020B0502040204020203" pitchFamily="34" charset="0"/>
-                <a:ea typeface="Calibri" panose="020F0502020204030204" pitchFamily="34" charset="0"/>
-                <a:cs typeface="Times New Roman" panose="02020603050405020304" pitchFamily="18" charset="0"/>
-              </a:rPr>
-              <a:t>at the </a:t>
-            </a:r>
-            <a:r>
-              <a:rPr lang="fr-FR" dirty="0" err="1">
-                <a:latin typeface="Segoe UI" panose="020B0502040204020203" pitchFamily="34" charset="0"/>
-                <a:ea typeface="Calibri" panose="020F0502020204030204" pitchFamily="34" charset="0"/>
-                <a:cs typeface="Times New Roman" panose="02020603050405020304" pitchFamily="18" charset="0"/>
-              </a:rPr>
-              <a:t>bottom</a:t>
+              <a:rPr lang="en" dirty="0" err="1">
+                <a:latin typeface="Segoe UI" panose="020B0502040204020203" pitchFamily="34" charset="0"/>
+                <a:ea typeface="Calibri" panose="020F0502020204030204" pitchFamily="34" charset="0"/>
+                <a:cs typeface="Times New Roman" panose="02020603050405020304" pitchFamily="18" charset="0"/>
+              </a:rPr>
+              <a:t>only three </a:t>
+            </a:r>
+            <a:r>
+              <a:rPr lang="en" dirty="0">
+                <a:latin typeface="Segoe UI" panose="020B0502040204020203" pitchFamily="34" charset="0"/>
+                <a:ea typeface="Calibri" panose="020F0502020204030204" pitchFamily="34" charset="0"/>
+                <a:cs typeface="Times New Roman" panose="02020603050405020304" pitchFamily="18" charset="0"/>
+              </a:rPr>
+              <a:t>sections </a:t>
+            </a:r>
+            <a:r>
+              <a:rPr lang="en" dirty="0" err="1">
+                <a:latin typeface="Segoe UI" panose="020B0502040204020203" pitchFamily="34" charset="0"/>
+                <a:ea typeface="Calibri" panose="020F0502020204030204" pitchFamily="34" charset="0"/>
+                <a:cs typeface="Times New Roman" panose="02020603050405020304" pitchFamily="18" charset="0"/>
+              </a:rPr>
+              <a:t>under </a:t>
+            </a:r>
+            <a:r>
+              <a:rPr lang="en" dirty="0">
+                <a:latin typeface="Segoe UI" panose="020B0502040204020203" pitchFamily="34" charset="0"/>
+                <a:ea typeface="Calibri" panose="020F0502020204030204" pitchFamily="34" charset="0"/>
+                <a:cs typeface="Times New Roman" panose="02020603050405020304" pitchFamily="18" charset="0"/>
+              </a:rPr>
+              <a:t>the </a:t>
+            </a:r>
+            <a:r>
+              <a:rPr lang="en" b="1" dirty="0" err="1">
+                <a:latin typeface="Segoe UI" panose="020B0502040204020203" pitchFamily="34" charset="0"/>
+                <a:ea typeface="Calibri" panose="020F0502020204030204" pitchFamily="34" charset="0"/>
+                <a:cs typeface="Times New Roman" panose="02020603050405020304" pitchFamily="18" charset="0"/>
+              </a:rPr>
+              <a:t>Visualizations </a:t>
+            </a:r>
+            <a:r>
+              <a:rPr lang="en" b="1" dirty="0">
+                <a:latin typeface="Segoe UI" panose="020B0502040204020203" pitchFamily="34" charset="0"/>
+                <a:ea typeface="Calibri" panose="020F0502020204030204" pitchFamily="34" charset="0"/>
+                <a:cs typeface="Times New Roman" panose="02020603050405020304" pitchFamily="18" charset="0"/>
+              </a:rPr>
+              <a:t>section </a:t>
+            </a:r>
+            <a:r>
+              <a:rPr lang="en" dirty="0">
+                <a:latin typeface="Segoe UI" panose="020B0502040204020203" pitchFamily="34" charset="0"/>
+                <a:ea typeface="Calibri" panose="020F0502020204030204" pitchFamily="34" charset="0"/>
+                <a:cs typeface="Times New Roman" panose="02020603050405020304" pitchFamily="18" charset="0"/>
+              </a:rPr>
+              <a:t>at </a:t>
+            </a:r>
+            <a:r>
+              <a:rPr lang="en" dirty="0" err="1">
+                <a:latin typeface="Segoe UI" panose="020B0502040204020203" pitchFamily="34" charset="0"/>
+                <a:ea typeface="Calibri" panose="020F0502020204030204" pitchFamily="34" charset="0"/>
+                <a:cs typeface="Times New Roman" panose="02020603050405020304" pitchFamily="18" charset="0"/>
+              </a:rPr>
+              <a:t>the bottom</a:t>
             </a:r>
             <a:endParaRPr lang="en-US" sz="1400" dirty="0">
               <a:effectLst/>
@@ -5419,11 +5357,11 @@
           <a:lstStyle/>
           <a:p>
             <a:r>
-              <a:rPr lang="en-US" sz="2400" dirty="0" smtClean="0">
+              <a:rPr lang="en" sz="2400" dirty="0" smtClean="0">
                 <a:latin typeface="Segoe UI" panose="020B0502040204020203" pitchFamily="34" charset="0"/>
                 <a:cs typeface="Segoe UI" panose="020B0502040204020203" pitchFamily="34" charset="0"/>
               </a:rPr>
-              <a:t>Columns and Bars</a:t>
+              <a:t>Columns and bars</a:t>
             </a:r>
             <a:endParaRPr lang="en-US" sz="2400" dirty="0">
               <a:latin typeface="Segoe UI" panose="020B0502040204020203" pitchFamily="34" charset="0"/>
@@ -5462,15 +5400,15 @@
               </a:spcAft>
             </a:pPr>
             <a:r>
-              <a:rPr lang="fr-FR" b="1" dirty="0" err="1">
-                <a:latin typeface="Segoe UI" panose="020B0502040204020203" pitchFamily="34" charset="0"/>
-                <a:ea typeface="Calibri" panose="020F0502020204030204" pitchFamily="34" charset="0"/>
-                <a:cs typeface="Times New Roman" panose="02020603050405020304" pitchFamily="18" charset="0"/>
-              </a:rPr>
-              <a:t>UnitPrice</a:t>
-            </a:r>
-            <a:r>
-              <a:rPr lang="fr-FR" b="1" dirty="0">
+              <a:rPr lang="en" b="1" dirty="0" err="1">
+                <a:latin typeface="Segoe UI" panose="020B0502040204020203" pitchFamily="34" charset="0"/>
+                <a:ea typeface="Calibri" panose="020F0502020204030204" pitchFamily="34" charset="0"/>
+                <a:cs typeface="Times New Roman" panose="02020603050405020304" pitchFamily="18" charset="0"/>
+              </a:rPr>
+              <a:t>Unit price</a:t>
+            </a:r>
+            <a:r>
+              <a:rPr lang="en" b="1" dirty="0">
                 <a:latin typeface="Segoe UI" panose="020B0502040204020203" pitchFamily="34" charset="0"/>
                 <a:ea typeface="Calibri" panose="020F0502020204030204" pitchFamily="34" charset="0"/>
                 <a:cs typeface="Times New Roman" panose="02020603050405020304" pitchFamily="18" charset="0"/>
@@ -5478,7 +5416,7 @@
               <a:t> </a:t>
             </a:r>
             <a:r>
-              <a:rPr lang="fr-FR" dirty="0" err="1">
+              <a:rPr lang="en" dirty="0" err="1">
                 <a:latin typeface="Segoe UI" panose="020B0502040204020203" pitchFamily="34" charset="0"/>
                 <a:ea typeface="Calibri" panose="020F0502020204030204" pitchFamily="34" charset="0"/>
                 <a:cs typeface="Times New Roman" panose="02020603050405020304" pitchFamily="18" charset="0"/>
@@ -5486,7 +5424,7 @@
               <a:t>field</a:t>
             </a:r>
             <a:r>
-              <a:rPr lang="fr-FR" dirty="0">
+              <a:rPr lang="en" dirty="0">
                 <a:latin typeface="Segoe UI" panose="020B0502040204020203" pitchFamily="34" charset="0"/>
                 <a:ea typeface="Calibri" panose="020F0502020204030204" pitchFamily="34" charset="0"/>
                 <a:cs typeface="Times New Roman" panose="02020603050405020304" pitchFamily="18" charset="0"/>
@@ -5494,23 +5432,23 @@
               <a:t> </a:t>
             </a:r>
             <a:r>
-              <a:rPr lang="fr-FR" dirty="0" err="1">
-                <a:latin typeface="Segoe UI" panose="020B0502040204020203" pitchFamily="34" charset="0"/>
-                <a:ea typeface="Calibri" panose="020F0502020204030204" pitchFamily="34" charset="0"/>
-                <a:cs typeface="Times New Roman" panose="02020603050405020304" pitchFamily="18" charset="0"/>
-              </a:rPr>
-              <a:t>from</a:t>
-            </a:r>
-            <a:r>
-              <a:rPr lang="fr-FR" dirty="0">
-                <a:latin typeface="Segoe UI" panose="020B0502040204020203" pitchFamily="34" charset="0"/>
-                <a:ea typeface="Calibri" panose="020F0502020204030204" pitchFamily="34" charset="0"/>
-                <a:cs typeface="Times New Roman" panose="02020603050405020304" pitchFamily="18" charset="0"/>
-              </a:rPr>
-              <a:t> the </a:t>
-            </a:r>
-            <a:r>
-              <a:rPr lang="fr-FR" b="1" dirty="0">
+              <a:rPr lang="en" dirty="0" err="1">
+                <a:latin typeface="Segoe UI" panose="020B0502040204020203" pitchFamily="34" charset="0"/>
+                <a:ea typeface="Calibri" panose="020F0502020204030204" pitchFamily="34" charset="0"/>
+                <a:cs typeface="Times New Roman" panose="02020603050405020304" pitchFamily="18" charset="0"/>
+              </a:rPr>
+              <a:t>from </a:t>
+            </a:r>
+            <a:r>
+              <a:rPr lang="en" dirty="0">
+                <a:latin typeface="Segoe UI" panose="020B0502040204020203" pitchFamily="34" charset="0"/>
+                <a:ea typeface="Calibri" panose="020F0502020204030204" pitchFamily="34" charset="0"/>
+                <a:cs typeface="Times New Roman" panose="02020603050405020304" pitchFamily="18" charset="0"/>
+              </a:rPr>
+              <a:t>the </a:t>
+            </a:r>
+            <a:r>
+              <a:rPr lang="en" b="1" dirty="0">
                 <a:latin typeface="Segoe UI" panose="020B0502040204020203" pitchFamily="34" charset="0"/>
                 <a:ea typeface="Calibri" panose="020F0502020204030204" pitchFamily="34" charset="0"/>
                 <a:cs typeface="Times New Roman" panose="02020603050405020304" pitchFamily="18" charset="0"/>
@@ -5518,39 +5456,31 @@
               <a:t>Fields section </a:t>
             </a:r>
             <a:r>
-              <a:rPr lang="fr-FR" dirty="0" err="1" smtClean="0">
-                <a:latin typeface="Segoe UI" panose="020B0502040204020203" pitchFamily="34" charset="0"/>
-                <a:ea typeface="Calibri" panose="020F0502020204030204" pitchFamily="34" charset="0"/>
-                <a:cs typeface="Times New Roman" panose="02020603050405020304" pitchFamily="18" charset="0"/>
-              </a:rPr>
-              <a:t>from</a:t>
-            </a:r>
-            <a:r>
-              <a:rPr lang="fr-FR" dirty="0" smtClean="0">
-                <a:latin typeface="Segoe UI" panose="020B0502040204020203" pitchFamily="34" charset="0"/>
-                <a:ea typeface="Calibri" panose="020F0502020204030204" pitchFamily="34" charset="0"/>
-                <a:cs typeface="Times New Roman" panose="02020603050405020304" pitchFamily="18" charset="0"/>
-              </a:rPr>
-              <a:t> the </a:t>
-            </a:r>
-            <a:r>
-              <a:rPr lang="fr-FR" b="1" dirty="0" err="1" smtClean="0">
-                <a:latin typeface="Segoe UI" panose="020B0502040204020203" pitchFamily="34" charset="0"/>
-                <a:ea typeface="Calibri" panose="020F0502020204030204" pitchFamily="34" charset="0"/>
-                <a:cs typeface="Times New Roman" panose="02020603050405020304" pitchFamily="18" charset="0"/>
-              </a:rPr>
-              <a:t>FactInterntSales</a:t>
-            </a:r>
-            <a:r>
-              <a:rPr lang="fr-FR" dirty="0" smtClean="0">
-                <a:latin typeface="Segoe UI" panose="020B0502040204020203" pitchFamily="34" charset="0"/>
-                <a:ea typeface="Calibri" panose="020F0502020204030204" pitchFamily="34" charset="0"/>
-                <a:cs typeface="Times New Roman" panose="02020603050405020304" pitchFamily="18" charset="0"/>
-              </a:rPr>
-              <a:t> table</a:t>
-            </a:r>
-            <a:r>
-              <a:rPr lang="fr-FR" b="1" dirty="0" smtClean="0">
+              <a:rPr lang="en" dirty="0" err="1" smtClean="0">
+                <a:latin typeface="Segoe UI" panose="020B0502040204020203" pitchFamily="34" charset="0"/>
+                <a:ea typeface="Calibri" panose="020F0502020204030204" pitchFamily="34" charset="0"/>
+                <a:cs typeface="Times New Roman" panose="02020603050405020304" pitchFamily="18" charset="0"/>
+              </a:rPr>
+              <a:t>of the </a:t>
+            </a:r>
+            <a:r>
+              <a:rPr lang="en" b="1" dirty="0" err="1" smtClean="0">
+                <a:latin typeface="Segoe UI" panose="020B0502040204020203" pitchFamily="34" charset="0"/>
+                <a:ea typeface="Calibri" panose="020F0502020204030204" pitchFamily="34" charset="0"/>
+                <a:cs typeface="Times New Roman" panose="02020603050405020304" pitchFamily="18" charset="0"/>
+              </a:rPr>
+              <a:t>FactInterntSales </a:t>
+            </a:r>
+            <a:r>
+              <a:rPr lang="en" dirty="0" smtClean="0">
+                <a:latin typeface="Segoe UI" panose="020B0502040204020203" pitchFamily="34" charset="0"/>
+                <a:ea typeface="Calibri" panose="020F0502020204030204" pitchFamily="34" charset="0"/>
+                <a:cs typeface="Times New Roman" panose="02020603050405020304" pitchFamily="18" charset="0"/>
+              </a:rPr>
+              <a:t>table</a:t>
+            </a:r>
+            <a:r>
+              <a:rPr lang="en" b="1" dirty="0" smtClean="0">
                 <a:latin typeface="Segoe UI" panose="020B0502040204020203" pitchFamily="34" charset="0"/>
                 <a:ea typeface="Calibri" panose="020F0502020204030204" pitchFamily="34" charset="0"/>
                 <a:cs typeface="Times New Roman" panose="02020603050405020304" pitchFamily="18" charset="0"/>
@@ -5558,7 +5488,7 @@
               <a:t> </a:t>
             </a:r>
             <a:r>
-              <a:rPr lang="fr-FR" dirty="0" smtClean="0">
+              <a:rPr lang="en" dirty="0" smtClean="0">
                 <a:latin typeface="Segoe UI" panose="020B0502040204020203" pitchFamily="34" charset="0"/>
                 <a:ea typeface="Calibri" panose="020F0502020204030204" pitchFamily="34" charset="0"/>
                 <a:cs typeface="Times New Roman" panose="02020603050405020304" pitchFamily="18" charset="0"/>
@@ -5566,7 +5496,7 @@
               <a:t>to </a:t>
             </a:r>
             <a:r>
-              <a:rPr lang="fr-FR" dirty="0">
+              <a:rPr lang="en" dirty="0">
                 <a:latin typeface="Segoe UI" panose="020B0502040204020203" pitchFamily="34" charset="0"/>
                 <a:ea typeface="Calibri" panose="020F0502020204030204" pitchFamily="34" charset="0"/>
                 <a:cs typeface="Times New Roman" panose="02020603050405020304" pitchFamily="18" charset="0"/>
@@ -5574,12 +5504,12 @@
               <a:t>the </a:t>
             </a:r>
             <a:r>
-              <a:rPr lang="fr-FR" b="1" dirty="0" smtClean="0">
-                <a:latin typeface="Segoe UI" panose="020B0502040204020203" pitchFamily="34" charset="0"/>
-                <a:ea typeface="Calibri" panose="020F0502020204030204" pitchFamily="34" charset="0"/>
-                <a:cs typeface="Times New Roman" panose="02020603050405020304" pitchFamily="18" charset="0"/>
-              </a:rPr>
-              <a:t>X-Axis</a:t>
+              <a:rPr lang="en" b="1" dirty="0" smtClean="0">
+                <a:latin typeface="Segoe UI" panose="020B0502040204020203" pitchFamily="34" charset="0"/>
+                <a:ea typeface="Calibri" panose="020F0502020204030204" pitchFamily="34" charset="0"/>
+                <a:cs typeface="Times New Roman" panose="02020603050405020304" pitchFamily="18" charset="0"/>
+              </a:rPr>
+              <a:t>X axis</a:t>
             </a:r>
             <a:endParaRPr lang="en-US" sz="1400" dirty="0">
               <a:effectLst/>
@@ -5843,11 +5773,11 @@
           <a:lstStyle/>
           <a:p>
             <a:r>
-              <a:rPr lang="en-US" sz="2400" dirty="0" smtClean="0">
+              <a:rPr lang="en" sz="2400" dirty="0" smtClean="0">
                 <a:latin typeface="Segoe UI" panose="020B0502040204020203" pitchFamily="34" charset="0"/>
                 <a:cs typeface="Segoe UI" panose="020B0502040204020203" pitchFamily="34" charset="0"/>
               </a:rPr>
-              <a:t>Columns and Bars</a:t>
+              <a:t>Columns and bars</a:t>
             </a:r>
             <a:endParaRPr lang="en-US" sz="2400" dirty="0">
               <a:latin typeface="Segoe UI" panose="020B0502040204020203" pitchFamily="34" charset="0"/>
@@ -5886,7 +5816,7 @@
               </a:spcAft>
             </a:pPr>
             <a:r>
-              <a:rPr lang="fr-FR" dirty="0" smtClean="0">
+              <a:rPr lang="en" dirty="0" smtClean="0">
                 <a:latin typeface="Segoe UI" panose="020B0502040204020203" pitchFamily="34" charset="0"/>
                 <a:ea typeface="Calibri" panose="020F0502020204030204" pitchFamily="34" charset="0"/>
                 <a:cs typeface="Times New Roman" panose="02020603050405020304" pitchFamily="18" charset="0"/>
@@ -5894,15 +5824,15 @@
               <a:t>Drag the </a:t>
             </a:r>
             <a:r>
-              <a:rPr lang="fr-FR" b="1" dirty="0" err="1" smtClean="0">
-                <a:latin typeface="Segoe UI" panose="020B0502040204020203" pitchFamily="34" charset="0"/>
-                <a:ea typeface="Calibri" panose="020F0502020204030204" pitchFamily="34" charset="0"/>
-                <a:cs typeface="Times New Roman" panose="02020603050405020304" pitchFamily="18" charset="0"/>
-              </a:rPr>
-              <a:t>CalendarYear</a:t>
-            </a:r>
-            <a:r>
-              <a:rPr lang="fr-FR" b="1" dirty="0" smtClean="0">
+              <a:rPr lang="en" b="1" dirty="0" err="1" smtClean="0">
+                <a:latin typeface="Segoe UI" panose="020B0502040204020203" pitchFamily="34" charset="0"/>
+                <a:ea typeface="Calibri" panose="020F0502020204030204" pitchFamily="34" charset="0"/>
+                <a:cs typeface="Times New Roman" panose="02020603050405020304" pitchFamily="18" charset="0"/>
+              </a:rPr>
+              <a:t>calendar year</a:t>
+            </a:r>
+            <a:r>
+              <a:rPr lang="en" b="1" dirty="0" smtClean="0">
                 <a:latin typeface="Segoe UI" panose="020B0502040204020203" pitchFamily="34" charset="0"/>
                 <a:ea typeface="Calibri" panose="020F0502020204030204" pitchFamily="34" charset="0"/>
                 <a:cs typeface="Times New Roman" panose="02020603050405020304" pitchFamily="18" charset="0"/>
@@ -5910,15 +5840,15 @@
               <a:t> </a:t>
             </a:r>
             <a:r>
-              <a:rPr lang="fr-FR" dirty="0" err="1" smtClean="0">
-                <a:latin typeface="Segoe UI" panose="020B0502040204020203" pitchFamily="34" charset="0"/>
-                <a:ea typeface="Calibri" panose="020F0502020204030204" pitchFamily="34" charset="0"/>
-                <a:cs typeface="Times New Roman" panose="02020603050405020304" pitchFamily="18" charset="0"/>
-              </a:rPr>
-              <a:t>from</a:t>
-            </a:r>
-            <a:r>
-              <a:rPr lang="fr-FR" dirty="0" smtClean="0">
+              <a:rPr lang="en" dirty="0" err="1" smtClean="0">
+                <a:latin typeface="Segoe UI" panose="020B0502040204020203" pitchFamily="34" charset="0"/>
+                <a:ea typeface="Calibri" panose="020F0502020204030204" pitchFamily="34" charset="0"/>
+                <a:cs typeface="Times New Roman" panose="02020603050405020304" pitchFamily="18" charset="0"/>
+              </a:rPr>
+              <a:t>Since</a:t>
+            </a:r>
+            <a:r>
+              <a:rPr lang="en" dirty="0" smtClean="0">
                 <a:latin typeface="Segoe UI" panose="020B0502040204020203" pitchFamily="34" charset="0"/>
                 <a:ea typeface="Calibri" panose="020F0502020204030204" pitchFamily="34" charset="0"/>
                 <a:cs typeface="Times New Roman" panose="02020603050405020304" pitchFamily="18" charset="0"/>
@@ -5926,7 +5856,71 @@
               <a:t> </a:t>
             </a:r>
             <a:r>
-              <a:rPr lang="fr-FR" b="1" dirty="0" err="1" smtClean="0">
+              <a:rPr lang="en" b="1" dirty="0" err="1" smtClean="0">
+                <a:latin typeface="Segoe UI" panose="020B0502040204020203" pitchFamily="34" charset="0"/>
+                <a:ea typeface="Calibri" panose="020F0502020204030204" pitchFamily="34" charset="0"/>
+                <a:cs typeface="Times New Roman" panose="02020603050405020304" pitchFamily="18" charset="0"/>
+              </a:rPr>
+              <a:t>DimDate </a:t>
+            </a:r>
+            <a:r>
+              <a:rPr lang="en" dirty="0" smtClean="0">
+                <a:latin typeface="Segoe UI" panose="020B0502040204020203" pitchFamily="34" charset="0"/>
+                <a:ea typeface="Calibri" panose="020F0502020204030204" pitchFamily="34" charset="0"/>
+                <a:cs typeface="Times New Roman" panose="02020603050405020304" pitchFamily="18" charset="0"/>
+              </a:rPr>
+              <a:t>at </a:t>
+            </a:r>
+            <a:r>
+              <a:rPr lang="en" b="1" dirty="0" smtClean="0">
+                <a:latin typeface="Segoe UI" panose="020B0502040204020203" pitchFamily="34" charset="0"/>
+                <a:ea typeface="Calibri" panose="020F0502020204030204" pitchFamily="34" charset="0"/>
+                <a:cs typeface="Times New Roman" panose="02020603050405020304" pitchFamily="18" charset="0"/>
+              </a:rPr>
+              <a:t>Y axis </a:t>
+            </a:r>
+            <a:r>
+              <a:rPr lang="en" dirty="0" err="1" smtClean="0">
+                <a:latin typeface="Segoe UI" panose="020B0502040204020203" pitchFamily="34" charset="0"/>
+                <a:ea typeface="Calibri" panose="020F0502020204030204" pitchFamily="34" charset="0"/>
+                <a:cs typeface="Times New Roman" panose="02020603050405020304" pitchFamily="18" charset="0"/>
+              </a:rPr>
+              <a:t>level</a:t>
+            </a:r>
+            <a:r>
+              <a:rPr lang="en" dirty="0" smtClean="0">
+                <a:latin typeface="Segoe UI" panose="020B0502040204020203" pitchFamily="34" charset="0"/>
+                <a:ea typeface="Calibri" panose="020F0502020204030204" pitchFamily="34" charset="0"/>
+                <a:cs typeface="Times New Roman" panose="02020603050405020304" pitchFamily="18" charset="0"/>
+              </a:rPr>
+              <a:t> </a:t>
+            </a:r>
+            <a:r>
+              <a:rPr lang="en" dirty="0" err="1" smtClean="0">
+                <a:latin typeface="Segoe UI" panose="020B0502040204020203" pitchFamily="34" charset="0"/>
+                <a:ea typeface="Calibri" panose="020F0502020204030204" pitchFamily="34" charset="0"/>
+                <a:cs typeface="Times New Roman" panose="02020603050405020304" pitchFamily="18" charset="0"/>
+              </a:rPr>
+              <a:t>field</a:t>
+            </a:r>
+            <a:r>
+              <a:rPr lang="en" b="1" dirty="0" smtClean="0">
+                <a:latin typeface="Segoe UI" panose="020B0502040204020203" pitchFamily="34" charset="0"/>
+                <a:ea typeface="Calibri" panose="020F0502020204030204" pitchFamily="34" charset="0"/>
+                <a:cs typeface="Times New Roman" panose="02020603050405020304" pitchFamily="18" charset="0"/>
+              </a:rPr>
+              <a:t> </a:t>
+            </a:r>
+            <a:r>
+              <a:rPr lang="en" dirty="0" err="1">
+                <a:latin typeface="Segoe UI" panose="020B0502040204020203" pitchFamily="34" charset="0"/>
+                <a:ea typeface="Calibri" panose="020F0502020204030204" pitchFamily="34" charset="0"/>
+                <a:cs typeface="Times New Roman" panose="02020603050405020304" pitchFamily="18" charset="0"/>
+              </a:rPr>
+              <a:t>from </a:t>
+            </a:r>
+            <a:r>
+              <a:rPr lang="en" dirty="0">
                 <a:latin typeface="Segoe UI" panose="020B0502040204020203" pitchFamily="34" charset="0"/>
                 <a:ea typeface="Calibri" panose="020F0502020204030204" pitchFamily="34" charset="0"/>
                 <a:cs typeface="Times New Roman" panose="02020603050405020304" pitchFamily="18" charset="0"/>
@@ -5934,39 +5928,7 @@
               <a:t>DimDate</a:t>
             </a:r>
             <a:r>
-              <a:rPr lang="fr-FR" dirty="0" smtClean="0">
-                <a:latin typeface="Segoe UI" panose="020B0502040204020203" pitchFamily="34" charset="0"/>
-                <a:ea typeface="Calibri" panose="020F0502020204030204" pitchFamily="34" charset="0"/>
-                <a:cs typeface="Times New Roman" panose="02020603050405020304" pitchFamily="18" charset="0"/>
-              </a:rPr>
-              <a:t> i</a:t>
-            </a:r>
-            <a:r>
-              <a:rPr lang="fr-FR" dirty="0" smtClean="0">
-                <a:latin typeface="Segoe UI" panose="020B0502040204020203" pitchFamily="34" charset="0"/>
-                <a:ea typeface="Calibri" panose="020F0502020204030204" pitchFamily="34" charset="0"/>
-                <a:cs typeface="Times New Roman" panose="02020603050405020304" pitchFamily="18" charset="0"/>
-              </a:rPr>
-              <a:t>n the </a:t>
-            </a:r>
-            <a:r>
-              <a:rPr lang="fr-FR" b="1" dirty="0" smtClean="0">
-                <a:latin typeface="Segoe UI" panose="020B0502040204020203" pitchFamily="34" charset="0"/>
-                <a:ea typeface="Calibri" panose="020F0502020204030204" pitchFamily="34" charset="0"/>
-                <a:cs typeface="Times New Roman" panose="02020603050405020304" pitchFamily="18" charset="0"/>
-              </a:rPr>
-              <a:t>Y-Axis </a:t>
-            </a:r>
-            <a:r>
-              <a:rPr lang="fr-FR" dirty="0" err="1" smtClean="0">
-                <a:latin typeface="Segoe UI" panose="020B0502040204020203" pitchFamily="34" charset="0"/>
-                <a:ea typeface="Calibri" panose="020F0502020204030204" pitchFamily="34" charset="0"/>
-                <a:cs typeface="Times New Roman" panose="02020603050405020304" pitchFamily="18" charset="0"/>
-              </a:rPr>
-              <a:t>level</a:t>
-            </a:r>
-            <a:r>
-              <a:rPr lang="fr-FR" dirty="0" smtClean="0">
+              <a:rPr lang="en" b="1" dirty="0">
                 <a:latin typeface="Segoe UI" panose="020B0502040204020203" pitchFamily="34" charset="0"/>
                 <a:ea typeface="Calibri" panose="020F0502020204030204" pitchFamily="34" charset="0"/>
                 <a:cs typeface="Times New Roman" panose="02020603050405020304" pitchFamily="18" charset="0"/>
@@ -5974,60 +5936,12 @@
               <a:t> </a:t>
             </a:r>
             <a:r>
-              <a:rPr lang="fr-FR" dirty="0" err="1" smtClean="0">
-                <a:latin typeface="Segoe UI" panose="020B0502040204020203" pitchFamily="34" charset="0"/>
-                <a:ea typeface="Calibri" panose="020F0502020204030204" pitchFamily="34" charset="0"/>
-                <a:cs typeface="Times New Roman" panose="02020603050405020304" pitchFamily="18" charset="0"/>
-              </a:rPr>
-              <a:t>field</a:t>
-            </a:r>
-            <a:r>
-              <a:rPr lang="fr-FR" b="1" dirty="0" smtClean="0">
-                <a:latin typeface="Segoe UI" panose="020B0502040204020203" pitchFamily="34" charset="0"/>
-                <a:ea typeface="Calibri" panose="020F0502020204030204" pitchFamily="34" charset="0"/>
-                <a:cs typeface="Times New Roman" panose="02020603050405020304" pitchFamily="18" charset="0"/>
-              </a:rPr>
-              <a:t> </a:t>
-            </a:r>
-            <a:r>
-              <a:rPr lang="fr-FR" dirty="0" err="1">
-                <a:latin typeface="Segoe UI" panose="020B0502040204020203" pitchFamily="34" charset="0"/>
-                <a:ea typeface="Calibri" panose="020F0502020204030204" pitchFamily="34" charset="0"/>
-                <a:cs typeface="Times New Roman" panose="02020603050405020304" pitchFamily="18" charset="0"/>
-              </a:rPr>
-              <a:t>from</a:t>
-            </a:r>
-            <a:r>
-              <a:rPr lang="fr-FR" dirty="0">
-                <a:latin typeface="Segoe UI" panose="020B0502040204020203" pitchFamily="34" charset="0"/>
-                <a:ea typeface="Calibri" panose="020F0502020204030204" pitchFamily="34" charset="0"/>
-                <a:cs typeface="Times New Roman" panose="02020603050405020304" pitchFamily="18" charset="0"/>
-              </a:rPr>
-              <a:t> the </a:t>
-            </a:r>
-            <a:r>
-              <a:rPr lang="fr-FR" b="1" dirty="0" err="1">
-                <a:latin typeface="Segoe UI" panose="020B0502040204020203" pitchFamily="34" charset="0"/>
-                <a:ea typeface="Calibri" panose="020F0502020204030204" pitchFamily="34" charset="0"/>
-                <a:cs typeface="Times New Roman" panose="02020603050405020304" pitchFamily="18" charset="0"/>
-              </a:rPr>
-              <a:t>DimDate</a:t>
-            </a:r>
-            <a:r>
-              <a:rPr lang="fr-FR" b="1" dirty="0">
-                <a:latin typeface="Segoe UI" panose="020B0502040204020203" pitchFamily="34" charset="0"/>
-                <a:ea typeface="Calibri" panose="020F0502020204030204" pitchFamily="34" charset="0"/>
-                <a:cs typeface="Times New Roman" panose="02020603050405020304" pitchFamily="18" charset="0"/>
-              </a:rPr>
-              <a:t> </a:t>
-            </a:r>
-            <a:r>
-              <a:rPr lang="fr-FR" dirty="0">
-                <a:latin typeface="Segoe UI" panose="020B0502040204020203" pitchFamily="34" charset="0"/>
-                <a:ea typeface="Calibri" panose="020F0502020204030204" pitchFamily="34" charset="0"/>
-                <a:cs typeface="Times New Roman" panose="02020603050405020304" pitchFamily="18" charset="0"/>
-              </a:rPr>
-              <a:t>table </a:t>
+              <a:rPr lang="en" dirty="0">
+                <a:latin typeface="Segoe UI" panose="020B0502040204020203" pitchFamily="34" charset="0"/>
+                <a:ea typeface="Calibri" panose="020F0502020204030204" pitchFamily="34" charset="0"/>
+                <a:cs typeface="Times New Roman" panose="02020603050405020304" pitchFamily="18" charset="0"/>
+              </a:rPr>
+              <a:t>painting </a:t>
             </a:r>
             <a:endParaRPr lang="en-US" sz="1400" dirty="0">
               <a:effectLst/>
@@ -6296,11 +6210,11 @@
           <a:lstStyle/>
           <a:p>
             <a:r>
-              <a:rPr lang="en-US" sz="2400" dirty="0" smtClean="0">
+              <a:rPr lang="en" sz="2400" dirty="0" smtClean="0">
                 <a:latin typeface="Segoe UI" panose="020B0502040204020203" pitchFamily="34" charset="0"/>
                 <a:cs typeface="Segoe UI" panose="020B0502040204020203" pitchFamily="34" charset="0"/>
               </a:rPr>
-              <a:t>Columns and Bars</a:t>
+              <a:t>Columns and bars</a:t>
             </a:r>
             <a:endParaRPr lang="en-US" sz="2400" dirty="0">
               <a:latin typeface="Segoe UI" panose="020B0502040204020203" pitchFamily="34" charset="0"/>
@@ -6339,7 +6253,7 @@
               </a:spcAft>
             </a:pPr>
             <a:r>
-              <a:rPr lang="fr-FR" dirty="0">
+              <a:rPr lang="en" dirty="0">
                 <a:latin typeface="Segoe UI" panose="020B0502040204020203" pitchFamily="34" charset="0"/>
                 <a:ea typeface="Calibri" panose="020F0502020204030204" pitchFamily="34" charset="0"/>
                 <a:cs typeface="Times New Roman" panose="02020603050405020304" pitchFamily="18" charset="0"/>
@@ -6347,39 +6261,39 @@
               <a:t>Type </a:t>
             </a:r>
             <a:r>
-              <a:rPr lang="fr-FR" dirty="0" err="1">
-                <a:latin typeface="Segoe UI" panose="020B0502040204020203" pitchFamily="34" charset="0"/>
-                <a:ea typeface="Calibri" panose="020F0502020204030204" pitchFamily="34" charset="0"/>
-                <a:cs typeface="Times New Roman" panose="02020603050405020304" pitchFamily="18" charset="0"/>
-              </a:rPr>
-              <a:t>Color</a:t>
-            </a:r>
-            <a:r>
-              <a:rPr lang="fr-FR" dirty="0">
-                <a:latin typeface="Segoe UI" panose="020B0502040204020203" pitchFamily="34" charset="0"/>
-                <a:ea typeface="Calibri" panose="020F0502020204030204" pitchFamily="34" charset="0"/>
-                <a:cs typeface="Times New Roman" panose="02020603050405020304" pitchFamily="18" charset="0"/>
-              </a:rPr>
-              <a:t> in the </a:t>
-            </a:r>
-            <a:r>
-              <a:rPr lang="fr-FR" dirty="0" err="1">
-                <a:latin typeface="Segoe UI" panose="020B0502040204020203" pitchFamily="34" charset="0"/>
-                <a:ea typeface="Calibri" panose="020F0502020204030204" pitchFamily="34" charset="0"/>
-                <a:cs typeface="Times New Roman" panose="02020603050405020304" pitchFamily="18" charset="0"/>
-              </a:rPr>
-              <a:t>search</a:t>
-            </a:r>
-            <a:r>
-              <a:rPr lang="fr-FR" dirty="0">
-                <a:latin typeface="Segoe UI" panose="020B0502040204020203" pitchFamily="34" charset="0"/>
-                <a:ea typeface="Calibri" panose="020F0502020204030204" pitchFamily="34" charset="0"/>
-                <a:cs typeface="Times New Roman" panose="02020603050405020304" pitchFamily="18" charset="0"/>
-              </a:rPr>
-              <a:t> bar in the </a:t>
-            </a:r>
-            <a:r>
-              <a:rPr lang="fr-FR" b="1" dirty="0">
+              <a:rPr lang="en" dirty="0" err="1">
+                <a:latin typeface="Segoe UI" panose="020B0502040204020203" pitchFamily="34" charset="0"/>
+                <a:ea typeface="Calibri" panose="020F0502020204030204" pitchFamily="34" charset="0"/>
+                <a:cs typeface="Times New Roman" panose="02020603050405020304" pitchFamily="18" charset="0"/>
+              </a:rPr>
+              <a:t>Color </a:t>
+            </a:r>
+            <a:r>
+              <a:rPr lang="en" dirty="0">
+                <a:latin typeface="Segoe UI" panose="020B0502040204020203" pitchFamily="34" charset="0"/>
+                <a:ea typeface="Calibri" panose="020F0502020204030204" pitchFamily="34" charset="0"/>
+                <a:cs typeface="Times New Roman" panose="02020603050405020304" pitchFamily="18" charset="0"/>
+              </a:rPr>
+              <a:t>in the </a:t>
+            </a:r>
+            <a:r>
+              <a:rPr lang="en" dirty="0" err="1">
+                <a:latin typeface="Segoe UI" panose="020B0502040204020203" pitchFamily="34" charset="0"/>
+                <a:ea typeface="Calibri" panose="020F0502020204030204" pitchFamily="34" charset="0"/>
+                <a:cs typeface="Times New Roman" panose="02020603050405020304" pitchFamily="18" charset="0"/>
+              </a:rPr>
+              <a:t>search bar </a:t>
+            </a:r>
+            <a:r>
+              <a:rPr lang="en" dirty="0">
+                <a:latin typeface="Segoe UI" panose="020B0502040204020203" pitchFamily="34" charset="0"/>
+                <a:ea typeface="Calibri" panose="020F0502020204030204" pitchFamily="34" charset="0"/>
+                <a:cs typeface="Times New Roman" panose="02020603050405020304" pitchFamily="18" charset="0"/>
+              </a:rPr>
+              <a:t>in the </a:t>
+            </a:r>
+            <a:r>
+              <a:rPr lang="en" b="1" dirty="0">
                 <a:latin typeface="Segoe UI" panose="020B0502040204020203" pitchFamily="34" charset="0"/>
                 <a:ea typeface="Calibri" panose="020F0502020204030204" pitchFamily="34" charset="0"/>
                 <a:cs typeface="Times New Roman" panose="02020603050405020304" pitchFamily="18" charset="0"/>
@@ -6425,15 +6339,15 @@
               </a:spcAft>
             </a:pPr>
             <a:r>
-              <a:rPr lang="fr-FR" dirty="0" err="1">
-                <a:latin typeface="Segoe UI" panose="020B0502040204020203" pitchFamily="34" charset="0"/>
-                <a:ea typeface="Calibri" panose="020F0502020204030204" pitchFamily="34" charset="0"/>
-                <a:cs typeface="Times New Roman" panose="02020603050405020304" pitchFamily="18" charset="0"/>
-              </a:rPr>
-              <a:t>Try</a:t>
-            </a:r>
-            <a:r>
-              <a:rPr lang="fr-FR" dirty="0">
+              <a:rPr lang="en" dirty="0" err="1">
+                <a:latin typeface="Segoe UI" panose="020B0502040204020203" pitchFamily="34" charset="0"/>
+                <a:ea typeface="Calibri" panose="020F0502020204030204" pitchFamily="34" charset="0"/>
+                <a:cs typeface="Times New Roman" panose="02020603050405020304" pitchFamily="18" charset="0"/>
+              </a:rPr>
+              <a:t>To try</a:t>
+            </a:r>
+            <a:r>
+              <a:rPr lang="en" dirty="0">
                 <a:latin typeface="Segoe UI" panose="020B0502040204020203" pitchFamily="34" charset="0"/>
                 <a:ea typeface="Calibri" panose="020F0502020204030204" pitchFamily="34" charset="0"/>
                 <a:cs typeface="Times New Roman" panose="02020603050405020304" pitchFamily="18" charset="0"/>
@@ -6441,52 +6355,44 @@
               <a:t> </a:t>
             </a:r>
             <a:r>
-              <a:rPr lang="fr-FR" dirty="0" err="1">
-                <a:latin typeface="Segoe UI" panose="020B0502040204020203" pitchFamily="34" charset="0"/>
-                <a:ea typeface="Calibri" panose="020F0502020204030204" pitchFamily="34" charset="0"/>
-                <a:cs typeface="Times New Roman" panose="02020603050405020304" pitchFamily="18" charset="0"/>
-              </a:rPr>
-              <a:t>changing</a:t>
-            </a:r>
-            <a:r>
-              <a:rPr lang="fr-FR" dirty="0">
-                <a:latin typeface="Segoe UI" panose="020B0502040204020203" pitchFamily="34" charset="0"/>
-                <a:ea typeface="Calibri" panose="020F0502020204030204" pitchFamily="34" charset="0"/>
-                <a:cs typeface="Times New Roman" panose="02020603050405020304" pitchFamily="18" charset="0"/>
-              </a:rPr>
-              <a:t> the </a:t>
-            </a:r>
-            <a:r>
-              <a:rPr lang="fr-FR" dirty="0" smtClean="0">
-                <a:latin typeface="Segoe UI" panose="020B0502040204020203" pitchFamily="34" charset="0"/>
-                <a:ea typeface="Calibri" panose="020F0502020204030204" pitchFamily="34" charset="0"/>
-                <a:cs typeface="Times New Roman" panose="02020603050405020304" pitchFamily="18" charset="0"/>
-              </a:rPr>
-              <a:t>Bars </a:t>
-            </a:r>
-            <a:r>
-              <a:rPr lang="fr-FR" dirty="0" err="1" smtClean="0">
-                <a:latin typeface="Segoe UI" panose="020B0502040204020203" pitchFamily="34" charset="0"/>
-                <a:ea typeface="Calibri" panose="020F0502020204030204" pitchFamily="34" charset="0"/>
-                <a:cs typeface="Times New Roman" panose="02020603050405020304" pitchFamily="18" charset="0"/>
-              </a:rPr>
-              <a:t>color</a:t>
-            </a:r>
-            <a:r>
-              <a:rPr lang="fr-FR" dirty="0" smtClean="0">
-                <a:latin typeface="Segoe UI" panose="020B0502040204020203" pitchFamily="34" charset="0"/>
-                <a:ea typeface="Calibri" panose="020F0502020204030204" pitchFamily="34" charset="0"/>
-                <a:cs typeface="Times New Roman" panose="02020603050405020304" pitchFamily="18" charset="0"/>
-              </a:rPr>
-              <a:t> to </a:t>
-            </a:r>
-            <a:r>
-              <a:rPr lang="fr-FR" dirty="0" err="1" smtClean="0">
-                <a:latin typeface="Segoe UI" panose="020B0502040204020203" pitchFamily="34" charset="0"/>
-                <a:ea typeface="Calibri" panose="020F0502020204030204" pitchFamily="34" charset="0"/>
-                <a:cs typeface="Times New Roman" panose="02020603050405020304" pitchFamily="18" charset="0"/>
-              </a:rPr>
-              <a:t>Red</a:t>
+              <a:rPr lang="en" dirty="0" err="1">
+                <a:latin typeface="Segoe UI" panose="020B0502040204020203" pitchFamily="34" charset="0"/>
+                <a:ea typeface="Calibri" panose="020F0502020204030204" pitchFamily="34" charset="0"/>
+                <a:cs typeface="Times New Roman" panose="02020603050405020304" pitchFamily="18" charset="0"/>
+              </a:rPr>
+              <a:t>change </a:t>
+            </a:r>
+            <a:r>
+              <a:rPr lang="en" dirty="0">
+                <a:latin typeface="Segoe UI" panose="020B0502040204020203" pitchFamily="34" charset="0"/>
+                <a:ea typeface="Calibri" panose="020F0502020204030204" pitchFamily="34" charset="0"/>
+                <a:cs typeface="Times New Roman" panose="02020603050405020304" pitchFamily="18" charset="0"/>
+              </a:rPr>
+              <a:t>the </a:t>
+            </a:r>
+            <a:r>
+              <a:rPr lang="en" dirty="0" err="1" smtClean="0">
+                <a:latin typeface="Segoe UI" panose="020B0502040204020203" pitchFamily="34" charset="0"/>
+                <a:ea typeface="Calibri" panose="020F0502020204030204" pitchFamily="34" charset="0"/>
+                <a:cs typeface="Times New Roman" panose="02020603050405020304" pitchFamily="18" charset="0"/>
+              </a:rPr>
+              <a:t>color </a:t>
+            </a:r>
+            <a:r>
+              <a:rPr lang="en" dirty="0" smtClean="0">
+                <a:latin typeface="Segoe UI" panose="020B0502040204020203" pitchFamily="34" charset="0"/>
+                <a:ea typeface="Calibri" panose="020F0502020204030204" pitchFamily="34" charset="0"/>
+                <a:cs typeface="Times New Roman" panose="02020603050405020304" pitchFamily="18" charset="0"/>
+              </a:rPr>
+              <a:t>of the bars to </a:t>
+            </a:r>
+            <a:r>
+              <a:rPr lang="en" dirty="0" err="1" smtClean="0">
+                <a:latin typeface="Segoe UI" panose="020B0502040204020203" pitchFamily="34" charset="0"/>
+                <a:ea typeface="Calibri" panose="020F0502020204030204" pitchFamily="34" charset="0"/>
+                <a:cs typeface="Times New Roman" panose="02020603050405020304" pitchFamily="18" charset="0"/>
+              </a:rPr>
+              <a:t>red</a:t>
             </a:r>
             <a:endParaRPr lang="en-US" sz="1400" dirty="0">
               <a:effectLst/>
@@ -6527,7 +6433,7 @@
               </a:spcAft>
             </a:pPr>
             <a:r>
-              <a:rPr lang="fr-FR" dirty="0">
+              <a:rPr lang="en" dirty="0">
                 <a:latin typeface="Segoe UI" panose="020B0502040204020203" pitchFamily="34" charset="0"/>
                 <a:ea typeface="Calibri" panose="020F0502020204030204" pitchFamily="34" charset="0"/>
                 <a:cs typeface="Times New Roman" panose="02020603050405020304" pitchFamily="18" charset="0"/>
@@ -6535,15 +6441,15 @@
               <a:t>Type </a:t>
             </a:r>
             <a:r>
-              <a:rPr lang="fr-FR" dirty="0" err="1">
-                <a:latin typeface="Segoe UI" panose="020B0502040204020203" pitchFamily="34" charset="0"/>
-                <a:ea typeface="Calibri" panose="020F0502020204030204" pitchFamily="34" charset="0"/>
-                <a:cs typeface="Times New Roman" panose="02020603050405020304" pitchFamily="18" charset="0"/>
-              </a:rPr>
-              <a:t>Text</a:t>
-            </a:r>
-            <a:r>
-              <a:rPr lang="fr-FR" dirty="0">
+              <a:rPr lang="en" dirty="0" err="1">
+                <a:latin typeface="Segoe UI" panose="020B0502040204020203" pitchFamily="34" charset="0"/>
+                <a:ea typeface="Calibri" panose="020F0502020204030204" pitchFamily="34" charset="0"/>
+                <a:cs typeface="Times New Roman" panose="02020603050405020304" pitchFamily="18" charset="0"/>
+              </a:rPr>
+              <a:t>the text</a:t>
+            </a:r>
+            <a:r>
+              <a:rPr lang="en" dirty="0">
                 <a:latin typeface="Segoe UI" panose="020B0502040204020203" pitchFamily="34" charset="0"/>
                 <a:ea typeface="Calibri" panose="020F0502020204030204" pitchFamily="34" charset="0"/>
                 <a:cs typeface="Times New Roman" panose="02020603050405020304" pitchFamily="18" charset="0"/>
@@ -6551,7 +6457,7 @@
               <a:t> </a:t>
             </a:r>
             <a:r>
-              <a:rPr lang="fr-FR" b="1" dirty="0">
+              <a:rPr lang="en" b="1" dirty="0">
                 <a:latin typeface="Segoe UI" panose="020B0502040204020203" pitchFamily="34" charset="0"/>
                 <a:ea typeface="Calibri" panose="020F0502020204030204" pitchFamily="34" charset="0"/>
                 <a:cs typeface="Times New Roman" panose="02020603050405020304" pitchFamily="18" charset="0"/>
@@ -6559,31 +6465,31 @@
               <a:t>and </a:t>
             </a:r>
             <a:r>
-              <a:rPr lang="fr-FR" dirty="0" err="1">
-                <a:latin typeface="Segoe UI" panose="020B0502040204020203" pitchFamily="34" charset="0"/>
-                <a:ea typeface="Calibri" panose="020F0502020204030204" pitchFamily="34" charset="0"/>
-                <a:cs typeface="Times New Roman" panose="02020603050405020304" pitchFamily="18" charset="0"/>
-              </a:rPr>
-              <a:t>try</a:t>
-            </a:r>
-            <a:r>
-              <a:rPr lang="fr-FR" dirty="0">
-                <a:latin typeface="Segoe UI" panose="020B0502040204020203" pitchFamily="34" charset="0"/>
-                <a:ea typeface="Calibri" panose="020F0502020204030204" pitchFamily="34" charset="0"/>
-                <a:cs typeface="Times New Roman" panose="02020603050405020304" pitchFamily="18" charset="0"/>
-              </a:rPr>
-              <a:t> to change </a:t>
-            </a:r>
-            <a:r>
-              <a:rPr lang="fr-FR" dirty="0" err="1">
-                <a:latin typeface="Segoe UI" panose="020B0502040204020203" pitchFamily="34" charset="0"/>
-                <a:ea typeface="Calibri" panose="020F0502020204030204" pitchFamily="34" charset="0"/>
-                <a:cs typeface="Times New Roman" panose="02020603050405020304" pitchFamily="18" charset="0"/>
-              </a:rPr>
-              <a:t>text</a:t>
-            </a:r>
-            <a:r>
-              <a:rPr lang="fr-FR" dirty="0">
+              <a:rPr lang="en" dirty="0" err="1">
+                <a:latin typeface="Segoe UI" panose="020B0502040204020203" pitchFamily="34" charset="0"/>
+                <a:ea typeface="Calibri" panose="020F0502020204030204" pitchFamily="34" charset="0"/>
+                <a:cs typeface="Times New Roman" panose="02020603050405020304" pitchFamily="18" charset="0"/>
+              </a:rPr>
+              <a:t>try </a:t>
+            </a:r>
+            <a:r>
+              <a:rPr lang="en" dirty="0">
+                <a:latin typeface="Segoe UI" panose="020B0502040204020203" pitchFamily="34" charset="0"/>
+                <a:ea typeface="Calibri" panose="020F0502020204030204" pitchFamily="34" charset="0"/>
+                <a:cs typeface="Times New Roman" panose="02020603050405020304" pitchFamily="18" charset="0"/>
+              </a:rPr>
+              <a:t>to change </a:t>
+            </a:r>
+            <a:r>
+              <a:rPr lang="en" dirty="0" err="1">
+                <a:latin typeface="Segoe UI" panose="020B0502040204020203" pitchFamily="34" charset="0"/>
+                <a:ea typeface="Calibri" panose="020F0502020204030204" pitchFamily="34" charset="0"/>
+                <a:cs typeface="Times New Roman" panose="02020603050405020304" pitchFamily="18" charset="0"/>
+              </a:rPr>
+              <a:t>the text</a:t>
+            </a:r>
+            <a:r>
+              <a:rPr lang="en" dirty="0">
                 <a:latin typeface="Segoe UI" panose="020B0502040204020203" pitchFamily="34" charset="0"/>
                 <a:ea typeface="Calibri" panose="020F0502020204030204" pitchFamily="34" charset="0"/>
                 <a:cs typeface="Times New Roman" panose="02020603050405020304" pitchFamily="18" charset="0"/>
@@ -6591,12 +6497,12 @@
               <a:t> </a:t>
             </a:r>
             <a:r>
-              <a:rPr lang="fr-FR" dirty="0" err="1">
-                <a:latin typeface="Segoe UI" panose="020B0502040204020203" pitchFamily="34" charset="0"/>
-                <a:ea typeface="Calibri" panose="020F0502020204030204" pitchFamily="34" charset="0"/>
-                <a:cs typeface="Times New Roman" panose="02020603050405020304" pitchFamily="18" charset="0"/>
-              </a:rPr>
-              <a:t>characteristics</a:t>
+              <a:rPr lang="en" dirty="0" err="1">
+                <a:latin typeface="Segoe UI" panose="020B0502040204020203" pitchFamily="34" charset="0"/>
+                <a:ea typeface="Calibri" panose="020F0502020204030204" pitchFamily="34" charset="0"/>
+                <a:cs typeface="Times New Roman" panose="02020603050405020304" pitchFamily="18" charset="0"/>
+              </a:rPr>
+              <a:t>features</a:t>
             </a:r>
             <a:endParaRPr lang="en-US" sz="1400" dirty="0">
               <a:effectLst/>
@@ -6761,11 +6667,11 @@
           <a:lstStyle/>
           <a:p>
             <a:r>
-              <a:rPr lang="en-US" sz="2400" dirty="0" smtClean="0">
+              <a:rPr lang="en" sz="2400" dirty="0" smtClean="0">
                 <a:latin typeface="Segoe UI" panose="020B0502040204020203" pitchFamily="34" charset="0"/>
                 <a:cs typeface="Segoe UI" panose="020B0502040204020203" pitchFamily="34" charset="0"/>
               </a:rPr>
-              <a:t>Columns and Bars</a:t>
+              <a:t>Columns and bars</a:t>
             </a:r>
             <a:endParaRPr lang="en-US" sz="2400" dirty="0">
               <a:latin typeface="Segoe UI" panose="020B0502040204020203" pitchFamily="34" charset="0"/>
@@ -6804,12 +6710,12 @@
               </a:spcAft>
             </a:pPr>
             <a:r>
-              <a:rPr lang="en-US" dirty="0" smtClean="0">
-                <a:latin typeface="Segoe UI" panose="020B0502040204020203" pitchFamily="34" charset="0"/>
-                <a:ea typeface="Calibri" panose="020F0502020204030204" pitchFamily="34" charset="0"/>
-                <a:cs typeface="Times New Roman" panose="02020603050405020304" pitchFamily="18" charset="0"/>
-              </a:rPr>
-              <a:t>Expand the visualization</a:t>
+              <a:rPr lang="en" dirty="0" smtClean="0">
+                <a:latin typeface="Segoe UI" panose="020B0502040204020203" pitchFamily="34" charset="0"/>
+                <a:ea typeface="Calibri" panose="020F0502020204030204" pitchFamily="34" charset="0"/>
+                <a:cs typeface="Times New Roman" panose="02020603050405020304" pitchFamily="18" charset="0"/>
+              </a:rPr>
+              <a:t>Develop visualization</a:t>
             </a:r>
           </a:p>
           <a:p>
@@ -6837,52 +6743,28 @@
               </a:spcAft>
             </a:pPr>
             <a:r>
-              <a:rPr lang="en-US" dirty="0" smtClean="0">
-                <a:latin typeface="Segoe UI" panose="020B0502040204020203" pitchFamily="34" charset="0"/>
-                <a:ea typeface="Calibri" panose="020F0502020204030204" pitchFamily="34" charset="0"/>
-                <a:cs typeface="Times New Roman" panose="02020603050405020304" pitchFamily="18" charset="0"/>
-              </a:rPr>
-              <a:t>Add</a:t>
-            </a:r>
-            <a:r>
-              <a:rPr lang="en-US" b="1" dirty="0" smtClean="0">
-                <a:latin typeface="Segoe UI" panose="020B0502040204020203" pitchFamily="34" charset="0"/>
-                <a:ea typeface="Calibri" panose="020F0502020204030204" pitchFamily="34" charset="0"/>
-                <a:cs typeface="Times New Roman" panose="02020603050405020304" pitchFamily="18" charset="0"/>
-              </a:rPr>
-              <a:t> Freight </a:t>
-            </a:r>
-            <a:r>
-              <a:rPr lang="en-US" dirty="0" smtClean="0">
-                <a:latin typeface="Segoe UI" panose="020B0502040204020203" pitchFamily="34" charset="0"/>
-                <a:ea typeface="Calibri" panose="020F0502020204030204" pitchFamily="34" charset="0"/>
-                <a:cs typeface="Times New Roman" panose="02020603050405020304" pitchFamily="18" charset="0"/>
-              </a:rPr>
-              <a:t>field to the </a:t>
-            </a:r>
-            <a:r>
-              <a:rPr lang="en-US" b="1" dirty="0" smtClean="0">
-                <a:latin typeface="Segoe UI" panose="020B0502040204020203" pitchFamily="34" charset="0"/>
-                <a:ea typeface="Calibri" panose="020F0502020204030204" pitchFamily="34" charset="0"/>
-                <a:cs typeface="Times New Roman" panose="02020603050405020304" pitchFamily="18" charset="0"/>
-              </a:rPr>
-              <a:t>X-Axis</a:t>
-            </a:r>
-            <a:r>
-              <a:rPr lang="en-US" b="1" dirty="0" smtClean="0">
-                <a:latin typeface="Segoe UI" panose="020B0502040204020203" pitchFamily="34" charset="0"/>
-                <a:ea typeface="Calibri" panose="020F0502020204030204" pitchFamily="34" charset="0"/>
-                <a:cs typeface="Times New Roman" panose="02020603050405020304" pitchFamily="18" charset="0"/>
-              </a:rPr>
-              <a:t> </a:t>
-            </a:r>
-            <a:r>
-              <a:rPr lang="en-US" dirty="0" smtClean="0">
-                <a:latin typeface="Segoe UI" panose="020B0502040204020203" pitchFamily="34" charset="0"/>
-                <a:ea typeface="Calibri" panose="020F0502020204030204" pitchFamily="34" charset="0"/>
-                <a:cs typeface="Times New Roman" panose="02020603050405020304" pitchFamily="18" charset="0"/>
-              </a:rPr>
-              <a:t>parameter </a:t>
+              <a:rPr lang="en" b="1" dirty="0" smtClean="0">
+                <a:latin typeface="Segoe UI" panose="020B0502040204020203" pitchFamily="34" charset="0"/>
+                <a:ea typeface="Calibri" panose="020F0502020204030204" pitchFamily="34" charset="0"/>
+                <a:cs typeface="Times New Roman" panose="02020603050405020304" pitchFamily="18" charset="0"/>
+              </a:rPr>
+              <a:t>Freight </a:t>
+            </a:r>
+            <a:r>
+              <a:rPr lang="en" dirty="0" smtClean="0">
+                <a:latin typeface="Segoe UI" panose="020B0502040204020203" pitchFamily="34" charset="0"/>
+                <a:ea typeface="Calibri" panose="020F0502020204030204" pitchFamily="34" charset="0"/>
+                <a:cs typeface="Times New Roman" panose="02020603050405020304" pitchFamily="18" charset="0"/>
+              </a:rPr>
+              <a:t>field to </a:t>
+            </a:r>
+            <a:r>
+              <a:rPr lang="en" b="1" dirty="0" smtClean="0">
+                <a:latin typeface="Segoe UI" panose="020B0502040204020203" pitchFamily="34" charset="0"/>
+                <a:ea typeface="Calibri" panose="020F0502020204030204" pitchFamily="34" charset="0"/>
+                <a:cs typeface="Times New Roman" panose="02020603050405020304" pitchFamily="18" charset="0"/>
+              </a:rPr>
+              <a:t>X axis parameter</a:t>
             </a:r>
           </a:p>
           <a:p>
@@ -6912,12 +6794,12 @@
               </a:spcAft>
             </a:pPr>
             <a:r>
-              <a:rPr lang="en-US" dirty="0" smtClean="0">
-                <a:latin typeface="Segoe UI" panose="020B0502040204020203" pitchFamily="34" charset="0"/>
-                <a:ea typeface="Calibri" panose="020F0502020204030204" pitchFamily="34" charset="0"/>
-                <a:cs typeface="Times New Roman" panose="02020603050405020304" pitchFamily="18" charset="0"/>
-              </a:rPr>
-              <a:t>Notice that the visualization changes</a:t>
+              <a:rPr lang="en" dirty="0" smtClean="0">
+                <a:latin typeface="Segoe UI" panose="020B0502040204020203" pitchFamily="34" charset="0"/>
+                <a:ea typeface="Calibri" panose="020F0502020204030204" pitchFamily="34" charset="0"/>
+                <a:cs typeface="Times New Roman" panose="02020603050405020304" pitchFamily="18" charset="0"/>
+              </a:rPr>
+              <a:t>Note that the visualization changes</a:t>
             </a:r>
             <a:endParaRPr lang="en-US" sz="1400" dirty="0">
               <a:latin typeface="Calibri" panose="020F0502020204030204" pitchFamily="34" charset="0"/>
@@ -7047,11 +6929,11 @@
           <a:lstStyle/>
           <a:p>
             <a:r>
-              <a:rPr lang="en-US" sz="2400" dirty="0" smtClean="0">
+              <a:rPr lang="en" sz="2400" dirty="0" smtClean="0">
                 <a:latin typeface="Segoe UI" panose="020B0502040204020203" pitchFamily="34" charset="0"/>
                 <a:cs typeface="Segoe UI" panose="020B0502040204020203" pitchFamily="34" charset="0"/>
               </a:rPr>
-              <a:t>Columns and Bars</a:t>
+              <a:t>Columns and bars</a:t>
             </a:r>
             <a:endParaRPr lang="en-US" sz="2400" dirty="0">
               <a:latin typeface="Segoe UI" panose="020B0502040204020203" pitchFamily="34" charset="0"/>
@@ -7090,12 +6972,12 @@
               </a:spcAft>
             </a:pPr>
             <a:r>
-              <a:rPr lang="en-US" dirty="0" smtClean="0">
-                <a:latin typeface="Segoe UI" panose="020B0502040204020203" pitchFamily="34" charset="0"/>
-                <a:ea typeface="Calibri" panose="020F0502020204030204" pitchFamily="34" charset="0"/>
-                <a:cs typeface="Times New Roman" panose="02020603050405020304" pitchFamily="18" charset="0"/>
-              </a:rPr>
-              <a:t>Select the visualization and try changing the visualization type by selecting each time a column or bar visualization type</a:t>
+              <a:rPr lang="en" dirty="0" smtClean="0">
+                <a:latin typeface="Segoe UI" panose="020B0502040204020203" pitchFamily="34" charset="0"/>
+                <a:ea typeface="Calibri" panose="020F0502020204030204" pitchFamily="34" charset="0"/>
+                <a:cs typeface="Times New Roman" panose="02020603050405020304" pitchFamily="18" charset="0"/>
+              </a:rPr>
+              <a:t>Select the visualization and try changing the visualization type by selecting a column or bar visualization type each time</a:t>
             </a:r>
             <a:endParaRPr lang="en-US" sz="1400" dirty="0">
               <a:latin typeface="Calibri" panose="020F0502020204030204" pitchFamily="34" charset="0"/>
@@ -7137,31 +7019,31 @@
               <a:buChar char="•"/>
             </a:pPr>
             <a:r>
-              <a:rPr lang="fr-FR" dirty="0" err="1">
-                <a:latin typeface="Segoe UI" panose="020B0502040204020203" pitchFamily="34" charset="0"/>
-                <a:ea typeface="Calibri" panose="020F0502020204030204" pitchFamily="34" charset="0"/>
-                <a:cs typeface="Times New Roman" panose="02020603050405020304" pitchFamily="18" charset="0"/>
-              </a:rPr>
-              <a:t>Delete</a:t>
-            </a:r>
-            <a:r>
-              <a:rPr lang="fr-FR" dirty="0">
-                <a:latin typeface="Segoe UI" panose="020B0502040204020203" pitchFamily="34" charset="0"/>
-                <a:ea typeface="Calibri" panose="020F0502020204030204" pitchFamily="34" charset="0"/>
-                <a:cs typeface="Times New Roman" panose="02020603050405020304" pitchFamily="18" charset="0"/>
-              </a:rPr>
-              <a:t> the </a:t>
-            </a:r>
-            <a:r>
-              <a:rPr lang="fr-FR" b="1" dirty="0" err="1">
-                <a:latin typeface="Segoe UI" panose="020B0502040204020203" pitchFamily="34" charset="0"/>
-                <a:ea typeface="Calibri" panose="020F0502020204030204" pitchFamily="34" charset="0"/>
-                <a:cs typeface="Times New Roman" panose="02020603050405020304" pitchFamily="18" charset="0"/>
-              </a:rPr>
-              <a:t>Freight</a:t>
-            </a:r>
-            <a:r>
-              <a:rPr lang="fr-FR" b="1" dirty="0">
+              <a:rPr lang="en" dirty="0" err="1">
+                <a:latin typeface="Segoe UI" panose="020B0502040204020203" pitchFamily="34" charset="0"/>
+                <a:ea typeface="Calibri" panose="020F0502020204030204" pitchFamily="34" charset="0"/>
+                <a:cs typeface="Times New Roman" panose="02020603050405020304" pitchFamily="18" charset="0"/>
+              </a:rPr>
+              <a:t>Remove </a:t>
+            </a:r>
+            <a:r>
+              <a:rPr lang="en" dirty="0">
+                <a:latin typeface="Segoe UI" panose="020B0502040204020203" pitchFamily="34" charset="0"/>
+                <a:ea typeface="Calibri" panose="020F0502020204030204" pitchFamily="34" charset="0"/>
+                <a:cs typeface="Times New Roman" panose="02020603050405020304" pitchFamily="18" charset="0"/>
+              </a:rPr>
+              <a:t>freight</a:t>
+            </a:r>
+            <a:r>
+              <a:rPr lang="en" b="1" dirty="0" err="1">
+                <a:latin typeface="Segoe UI" panose="020B0502040204020203" pitchFamily="34" charset="0"/>
+                <a:ea typeface="Calibri" panose="020F0502020204030204" pitchFamily="34" charset="0"/>
+                <a:cs typeface="Times New Roman" panose="02020603050405020304" pitchFamily="18" charset="0"/>
+              </a:rPr>
+              <a:t>​</a:t>
+            </a:r>
+            <a:r>
+              <a:rPr lang="en" b="1" dirty="0">
                 <a:latin typeface="Segoe UI" panose="020B0502040204020203" pitchFamily="34" charset="0"/>
                 <a:ea typeface="Calibri" panose="020F0502020204030204" pitchFamily="34" charset="0"/>
                 <a:cs typeface="Times New Roman" panose="02020603050405020304" pitchFamily="18" charset="0"/>
@@ -7169,7 +7051,7 @@
               <a:t> </a:t>
             </a:r>
             <a:r>
-              <a:rPr lang="fr-FR" b="1" dirty="0" err="1">
+              <a:rPr lang="en" b="1" dirty="0" err="1">
                 <a:latin typeface="Segoe UI" panose="020B0502040204020203" pitchFamily="34" charset="0"/>
                 <a:ea typeface="Calibri" panose="020F0502020204030204" pitchFamily="34" charset="0"/>
                 <a:cs typeface="Times New Roman" panose="02020603050405020304" pitchFamily="18" charset="0"/>
@@ -7177,7 +7059,7 @@
               <a:t>field</a:t>
             </a:r>
             <a:r>
-              <a:rPr lang="fr-FR" b="1" dirty="0">
+              <a:rPr lang="en" b="1" dirty="0">
                 <a:latin typeface="Segoe UI" panose="020B0502040204020203" pitchFamily="34" charset="0"/>
                 <a:ea typeface="Calibri" panose="020F0502020204030204" pitchFamily="34" charset="0"/>
                 <a:cs typeface="Times New Roman" panose="02020603050405020304" pitchFamily="18" charset="0"/>
@@ -7185,7 +7067,7 @@
               <a:t> </a:t>
             </a:r>
             <a:r>
-              <a:rPr lang="fr-FR" dirty="0">
+              <a:rPr lang="en" dirty="0">
                 <a:latin typeface="Segoe UI" panose="020B0502040204020203" pitchFamily="34" charset="0"/>
                 <a:ea typeface="Calibri" panose="020F0502020204030204" pitchFamily="34" charset="0"/>
                 <a:cs typeface="Times New Roman" panose="02020603050405020304" pitchFamily="18" charset="0"/>
@@ -7193,7 +7075,7 @@
               <a:t>and </a:t>
             </a:r>
             <a:r>
-              <a:rPr lang="fr-FR" dirty="0" err="1">
+              <a:rPr lang="en" dirty="0" err="1">
                 <a:latin typeface="Segoe UI" panose="020B0502040204020203" pitchFamily="34" charset="0"/>
                 <a:ea typeface="Calibri" panose="020F0502020204030204" pitchFamily="34" charset="0"/>
                 <a:cs typeface="Times New Roman" panose="02020603050405020304" pitchFamily="18" charset="0"/>
@@ -7201,7 +7083,7 @@
               <a:t>and</a:t>
             </a:r>
             <a:r>
-              <a:rPr lang="fr-FR" dirty="0">
+              <a:rPr lang="en" dirty="0">
                 <a:latin typeface="Segoe UI" panose="020B0502040204020203" pitchFamily="34" charset="0"/>
                 <a:ea typeface="Calibri" panose="020F0502020204030204" pitchFamily="34" charset="0"/>
                 <a:cs typeface="Times New Roman" panose="02020603050405020304" pitchFamily="18" charset="0"/>
@@ -7209,7 +7091,7 @@
               <a:t> </a:t>
             </a:r>
             <a:r>
-              <a:rPr lang="fr-FR" dirty="0" err="1">
+              <a:rPr lang="en" dirty="0" err="1">
                 <a:latin typeface="Segoe UI" panose="020B0502040204020203" pitchFamily="34" charset="0"/>
                 <a:ea typeface="Calibri" panose="020F0502020204030204" pitchFamily="34" charset="0"/>
                 <a:cs typeface="Times New Roman" panose="02020603050405020304" pitchFamily="18" charset="0"/>
@@ -7217,7 +7099,7 @@
               <a:t>add</a:t>
             </a:r>
             <a:r>
-              <a:rPr lang="fr-FR" dirty="0">
+              <a:rPr lang="en" dirty="0">
                 <a:latin typeface="Segoe UI" panose="020B0502040204020203" pitchFamily="34" charset="0"/>
                 <a:ea typeface="Calibri" panose="020F0502020204030204" pitchFamily="34" charset="0"/>
                 <a:cs typeface="Times New Roman" panose="02020603050405020304" pitchFamily="18" charset="0"/>
@@ -7225,15 +7107,15 @@
               <a:t> </a:t>
             </a:r>
             <a:r>
-              <a:rPr lang="fr-FR" b="1" dirty="0" err="1" smtClean="0">
-                <a:latin typeface="Segoe UI" panose="020B0502040204020203" pitchFamily="34" charset="0"/>
-                <a:ea typeface="Calibri" panose="020F0502020204030204" pitchFamily="34" charset="0"/>
-                <a:cs typeface="Times New Roman" panose="02020603050405020304" pitchFamily="18" charset="0"/>
-              </a:rPr>
-              <a:t>EnglishMonthName</a:t>
-            </a:r>
-            <a:r>
-              <a:rPr lang="fr-FR" dirty="0" smtClean="0">
+              <a:rPr lang="en" b="1" dirty="0" err="1" smtClean="0">
+                <a:latin typeface="Segoe UI" panose="020B0502040204020203" pitchFamily="34" charset="0"/>
+                <a:ea typeface="Calibri" panose="020F0502020204030204" pitchFamily="34" charset="0"/>
+                <a:cs typeface="Times New Roman" panose="02020603050405020304" pitchFamily="18" charset="0"/>
+              </a:rPr>
+              <a:t>Name of the month in English</a:t>
+            </a:r>
+            <a:r>
+              <a:rPr lang="en" dirty="0" smtClean="0">
                 <a:latin typeface="Segoe UI" panose="020B0502040204020203" pitchFamily="34" charset="0"/>
                 <a:ea typeface="Calibri" panose="020F0502020204030204" pitchFamily="34" charset="0"/>
                 <a:cs typeface="Times New Roman" panose="02020603050405020304" pitchFamily="18" charset="0"/>
@@ -7241,7 +7123,7 @@
               <a:t> </a:t>
             </a:r>
             <a:r>
-              <a:rPr lang="fr-FR" dirty="0">
+              <a:rPr lang="en" dirty="0">
                 <a:latin typeface="Segoe UI" panose="020B0502040204020203" pitchFamily="34" charset="0"/>
                 <a:ea typeface="Calibri" panose="020F0502020204030204" pitchFamily="34" charset="0"/>
                 <a:cs typeface="Times New Roman" panose="02020603050405020304" pitchFamily="18" charset="0"/>
@@ -7249,7 +7131,7 @@
               <a:t>to the </a:t>
             </a:r>
             <a:r>
-              <a:rPr lang="fr-FR" dirty="0" err="1">
+              <a:rPr lang="en" dirty="0" err="1">
                 <a:latin typeface="Segoe UI" panose="020B0502040204020203" pitchFamily="34" charset="0"/>
                 <a:ea typeface="Calibri" panose="020F0502020204030204" pitchFamily="34" charset="0"/>
                 <a:cs typeface="Times New Roman" panose="02020603050405020304" pitchFamily="18" charset="0"/>
@@ -7291,7 +7173,7 @@
               <a:buChar char="•"/>
             </a:pPr>
             <a:r>
-              <a:rPr lang="fr-FR" dirty="0" smtClean="0">
+              <a:rPr lang="en" dirty="0" smtClean="0">
                 <a:latin typeface="Segoe UI" panose="020B0502040204020203" pitchFamily="34" charset="0"/>
                 <a:ea typeface="Calibri" panose="020F0502020204030204" pitchFamily="34" charset="0"/>
                 <a:cs typeface="Times New Roman" panose="02020603050405020304" pitchFamily="18" charset="0"/>
@@ -7299,7 +7181,7 @@
               <a:t>Select </a:t>
             </a:r>
             <a:r>
-              <a:rPr lang="fr-FR" dirty="0">
+              <a:rPr lang="en" dirty="0">
                 <a:latin typeface="Segoe UI" panose="020B0502040204020203" pitchFamily="34" charset="0"/>
                 <a:ea typeface="Calibri" panose="020F0502020204030204" pitchFamily="34" charset="0"/>
                 <a:cs typeface="Times New Roman" panose="02020603050405020304" pitchFamily="18" charset="0"/>
@@ -7307,31 +7189,31 @@
               <a:t>the </a:t>
             </a:r>
             <a:r>
-              <a:rPr lang="fr-FR" b="1" dirty="0" err="1">
-                <a:latin typeface="Segoe UI" panose="020B0502040204020203" pitchFamily="34" charset="0"/>
-                <a:ea typeface="Calibri" panose="020F0502020204030204" pitchFamily="34" charset="0"/>
-                <a:cs typeface="Times New Roman" panose="02020603050405020304" pitchFamily="18" charset="0"/>
-              </a:rPr>
-              <a:t>Analytics</a:t>
-            </a:r>
-            <a:r>
-              <a:rPr lang="fr-FR" b="1" dirty="0">
-                <a:latin typeface="Segoe UI" panose="020B0502040204020203" pitchFamily="34" charset="0"/>
-                <a:ea typeface="Calibri" panose="020F0502020204030204" pitchFamily="34" charset="0"/>
-                <a:cs typeface="Times New Roman" panose="02020603050405020304" pitchFamily="18" charset="0"/>
-              </a:rPr>
-              <a:t> area </a:t>
-            </a:r>
-            <a:r>
-              <a:rPr lang="fr-FR" dirty="0">
-                <a:latin typeface="Segoe UI" panose="020B0502040204020203" pitchFamily="34" charset="0"/>
-                <a:ea typeface="Calibri" panose="020F0502020204030204" pitchFamily="34" charset="0"/>
-                <a:cs typeface="Times New Roman" panose="02020603050405020304" pitchFamily="18" charset="0"/>
-              </a:rPr>
-              <a:t>and </a:t>
-            </a:r>
-            <a:r>
-              <a:rPr lang="fr-FR" dirty="0" err="1">
+              <a:rPr lang="en" b="1" dirty="0" err="1">
+                <a:latin typeface="Segoe UI" panose="020B0502040204020203" pitchFamily="34" charset="0"/>
+                <a:ea typeface="Calibri" panose="020F0502020204030204" pitchFamily="34" charset="0"/>
+                <a:cs typeface="Times New Roman" panose="02020603050405020304" pitchFamily="18" charset="0"/>
+              </a:rPr>
+              <a:t>Analytics </a:t>
+            </a:r>
+            <a:r>
+              <a:rPr lang="en" b="1" dirty="0">
+                <a:latin typeface="Segoe UI" panose="020B0502040204020203" pitchFamily="34" charset="0"/>
+                <a:ea typeface="Calibri" panose="020F0502020204030204" pitchFamily="34" charset="0"/>
+                <a:cs typeface="Times New Roman" panose="02020603050405020304" pitchFamily="18" charset="0"/>
+              </a:rPr>
+              <a:t>area </a:t>
+            </a:r>
+            <a:r>
+              <a:rPr lang="en" dirty="0">
+                <a:latin typeface="Segoe UI" panose="020B0502040204020203" pitchFamily="34" charset="0"/>
+                <a:ea typeface="Calibri" panose="020F0502020204030204" pitchFamily="34" charset="0"/>
+                <a:cs typeface="Times New Roman" panose="02020603050405020304" pitchFamily="18" charset="0"/>
+              </a:rPr>
+              <a:t>, </a:t>
+            </a:r>
+            <a:r>
+              <a:rPr lang="en" dirty="0" err="1">
                 <a:latin typeface="Segoe UI" panose="020B0502040204020203" pitchFamily="34" charset="0"/>
                 <a:ea typeface="Calibri" panose="020F0502020204030204" pitchFamily="34" charset="0"/>
                 <a:cs typeface="Times New Roman" panose="02020603050405020304" pitchFamily="18" charset="0"/>
@@ -7339,7 +7221,7 @@
               <a:t>then</a:t>
             </a:r>
             <a:r>
-              <a:rPr lang="fr-FR" dirty="0">
+              <a:rPr lang="en" dirty="0">
                 <a:latin typeface="Segoe UI" panose="020B0502040204020203" pitchFamily="34" charset="0"/>
                 <a:ea typeface="Calibri" panose="020F0502020204030204" pitchFamily="34" charset="0"/>
                 <a:cs typeface="Times New Roman" panose="02020603050405020304" pitchFamily="18" charset="0"/>
@@ -7347,20 +7229,20 @@
               <a:t> </a:t>
             </a:r>
             <a:r>
-              <a:rPr lang="fr-FR" dirty="0" err="1">
-                <a:latin typeface="Segoe UI" panose="020B0502040204020203" pitchFamily="34" charset="0"/>
-                <a:ea typeface="Calibri" panose="020F0502020204030204" pitchFamily="34" charset="0"/>
-                <a:cs typeface="Times New Roman" panose="02020603050405020304" pitchFamily="18" charset="0"/>
-              </a:rPr>
-              <a:t>add</a:t>
-            </a:r>
-            <a:r>
-              <a:rPr lang="fr-FR" dirty="0">
-                <a:latin typeface="Segoe UI" panose="020B0502040204020203" pitchFamily="34" charset="0"/>
-                <a:ea typeface="Calibri" panose="020F0502020204030204" pitchFamily="34" charset="0"/>
-                <a:cs typeface="Times New Roman" panose="02020603050405020304" pitchFamily="18" charset="0"/>
-              </a:rPr>
-              <a:t> a constant line</a:t>
+              <a:rPr lang="en" dirty="0" err="1">
+                <a:latin typeface="Segoe UI" panose="020B0502040204020203" pitchFamily="34" charset="0"/>
+                <a:ea typeface="Calibri" panose="020F0502020204030204" pitchFamily="34" charset="0"/>
+                <a:cs typeface="Times New Roman" panose="02020603050405020304" pitchFamily="18" charset="0"/>
+              </a:rPr>
+              <a:t>add </a:t>
+            </a:r>
+            <a:r>
+              <a:rPr lang="en" dirty="0">
+                <a:latin typeface="Segoe UI" panose="020B0502040204020203" pitchFamily="34" charset="0"/>
+                <a:ea typeface="Calibri" panose="020F0502020204030204" pitchFamily="34" charset="0"/>
+                <a:cs typeface="Times New Roman" panose="02020603050405020304" pitchFamily="18" charset="0"/>
+              </a:rPr>
+              <a:t>a constant line</a:t>
             </a:r>
             <a:endParaRPr lang="en-US" sz="1400" dirty="0">
               <a:latin typeface="Calibri" panose="020F0502020204030204" pitchFamily="34" charset="0"/>

--- a/English/6.Visuals/1.Columns and Bars.pptx
+++ b/English/6.Visuals/1.Columns and Bars.pptx
@@ -208,7 +208,7 @@
           <a:p>
             <a:fld id="{056BA3B8-9F76-4D81-B71D-76CB85363062}" type="datetimeFigureOut">
               <a:rPr lang="en-US" smtClean="0"/>
-              <a:t>4/3/2025</a:t>
+              <a:t>4/6/2025</a:t>
             </a:fld>
             <a:endParaRPr lang="en-US"/>
           </a:p>
@@ -607,7 +607,7 @@
           <a:p>
             <a:fld id="{6F01DA4D-20EA-48D2-973C-0311EC3005D6}" type="datetimeFigureOut">
               <a:rPr lang="en-US" smtClean="0"/>
-              <a:t>4/3/2025</a:t>
+              <a:t>4/6/2025</a:t>
             </a:fld>
             <a:endParaRPr lang="en-US"/>
           </a:p>
@@ -777,7 +777,7 @@
           <a:p>
             <a:fld id="{6F01DA4D-20EA-48D2-973C-0311EC3005D6}" type="datetimeFigureOut">
               <a:rPr lang="en-US" smtClean="0"/>
-              <a:t>4/3/2025</a:t>
+              <a:t>4/6/2025</a:t>
             </a:fld>
             <a:endParaRPr lang="en-US"/>
           </a:p>
@@ -957,7 +957,7 @@
           <a:p>
             <a:fld id="{6F01DA4D-20EA-48D2-973C-0311EC3005D6}" type="datetimeFigureOut">
               <a:rPr lang="en-US" smtClean="0"/>
-              <a:t>4/3/2025</a:t>
+              <a:t>4/6/2025</a:t>
             </a:fld>
             <a:endParaRPr lang="en-US"/>
           </a:p>
@@ -1127,7 +1127,7 @@
           <a:p>
             <a:fld id="{6F01DA4D-20EA-48D2-973C-0311EC3005D6}" type="datetimeFigureOut">
               <a:rPr lang="en-US" smtClean="0"/>
-              <a:t>4/3/2025</a:t>
+              <a:t>4/6/2025</a:t>
             </a:fld>
             <a:endParaRPr lang="en-US"/>
           </a:p>
@@ -1373,7 +1373,7 @@
           <a:p>
             <a:fld id="{6F01DA4D-20EA-48D2-973C-0311EC3005D6}" type="datetimeFigureOut">
               <a:rPr lang="en-US" smtClean="0"/>
-              <a:t>4/3/2025</a:t>
+              <a:t>4/6/2025</a:t>
             </a:fld>
             <a:endParaRPr lang="en-US"/>
           </a:p>
@@ -1605,7 +1605,7 @@
           <a:p>
             <a:fld id="{6F01DA4D-20EA-48D2-973C-0311EC3005D6}" type="datetimeFigureOut">
               <a:rPr lang="en-US" smtClean="0"/>
-              <a:t>4/3/2025</a:t>
+              <a:t>4/6/2025</a:t>
             </a:fld>
             <a:endParaRPr lang="en-US"/>
           </a:p>
@@ -1972,7 +1972,7 @@
           <a:p>
             <a:fld id="{6F01DA4D-20EA-48D2-973C-0311EC3005D6}" type="datetimeFigureOut">
               <a:rPr lang="en-US" smtClean="0"/>
-              <a:t>4/3/2025</a:t>
+              <a:t>4/6/2025</a:t>
             </a:fld>
             <a:endParaRPr lang="en-US"/>
           </a:p>
@@ -2090,7 +2090,7 @@
           <a:p>
             <a:fld id="{6F01DA4D-20EA-48D2-973C-0311EC3005D6}" type="datetimeFigureOut">
               <a:rPr lang="en-US" smtClean="0"/>
-              <a:t>4/3/2025</a:t>
+              <a:t>4/6/2025</a:t>
             </a:fld>
             <a:endParaRPr lang="en-US"/>
           </a:p>
@@ -2185,7 +2185,7 @@
           <a:p>
             <a:fld id="{6F01DA4D-20EA-48D2-973C-0311EC3005D6}" type="datetimeFigureOut">
               <a:rPr lang="en-US" smtClean="0"/>
-              <a:t>4/3/2025</a:t>
+              <a:t>4/6/2025</a:t>
             </a:fld>
             <a:endParaRPr lang="en-US"/>
           </a:p>
@@ -2462,7 +2462,7 @@
           <a:p>
             <a:fld id="{6F01DA4D-20EA-48D2-973C-0311EC3005D6}" type="datetimeFigureOut">
               <a:rPr lang="en-US" smtClean="0"/>
-              <a:t>4/3/2025</a:t>
+              <a:t>4/6/2025</a:t>
             </a:fld>
             <a:endParaRPr lang="en-US"/>
           </a:p>
@@ -2715,7 +2715,7 @@
           <a:p>
             <a:fld id="{6F01DA4D-20EA-48D2-973C-0311EC3005D6}" type="datetimeFigureOut">
               <a:rPr lang="en-US" smtClean="0"/>
-              <a:t>4/3/2025</a:t>
+              <a:t>4/6/2025</a:t>
             </a:fld>
             <a:endParaRPr lang="en-US"/>
           </a:p>
@@ -2928,7 +2928,7 @@
           <a:p>
             <a:fld id="{6F01DA4D-20EA-48D2-973C-0311EC3005D6}" type="datetimeFigureOut">
               <a:rPr lang="en-US" smtClean="0"/>
-              <a:t>4/3/2025</a:t>
+              <a:t>4/6/2025</a:t>
             </a:fld>
             <a:endParaRPr lang="en-US"/>
           </a:p>
@@ -4344,7 +4344,7 @@
         <p:spPr>
           <a:xfrm>
             <a:off x="323133" y="1265541"/>
-            <a:ext cx="10372367" cy="388696"/>
+            <a:ext cx="10372367" cy="373692"/>
           </a:xfrm>
           <a:prstGeom prst="rect">
             <a:avLst/>
@@ -4373,19 +4373,43 @@
               <a:t>Import the </a:t>
             </a:r>
             <a:r>
-              <a:rPr lang="en" b="1" dirty="0" err="1" smtClean="0">
-                <a:latin typeface="Segoe UI" panose="020B0502040204020203" pitchFamily="34" charset="0"/>
-                <a:ea typeface="Calibri" panose="020F0502020204030204" pitchFamily="34" charset="0"/>
-                <a:cs typeface="Times New Roman" panose="02020603050405020304" pitchFamily="18" charset="0"/>
-              </a:rPr>
-              <a:t>DimDate</a:t>
-            </a:r>
-            <a:r>
               <a:rPr lang="en" b="1" dirty="0" smtClean="0">
                 <a:latin typeface="Segoe UI" panose="020B0502040204020203" pitchFamily="34" charset="0"/>
                 <a:ea typeface="Calibri" panose="020F0502020204030204" pitchFamily="34" charset="0"/>
                 <a:cs typeface="Times New Roman" panose="02020603050405020304" pitchFamily="18" charset="0"/>
               </a:rPr>
+              <a:t>DimDate </a:t>
+            </a:r>
+            <a:r>
+              <a:rPr lang="en" dirty="0" smtClean="0">
+                <a:latin typeface="Segoe UI" panose="020B0502040204020203" pitchFamily="34" charset="0"/>
+                <a:ea typeface="Calibri" panose="020F0502020204030204" pitchFamily="34" charset="0"/>
+                <a:cs typeface="Times New Roman" panose="02020603050405020304" pitchFamily="18" charset="0"/>
+              </a:rPr>
+              <a:t>and </a:t>
+            </a:r>
+            <a:r>
+              <a:rPr lang="en" b="1" dirty="0" smtClean="0">
+                <a:latin typeface="Segoe UI" panose="020B0502040204020203" pitchFamily="34" charset="0"/>
+                <a:ea typeface="Calibri" panose="020F0502020204030204" pitchFamily="34" charset="0"/>
+                <a:cs typeface="Times New Roman" panose="02020603050405020304" pitchFamily="18" charset="0"/>
+              </a:rPr>
+              <a:t>FactSales </a:t>
+            </a:r>
+            <a:r>
+              <a:rPr lang="en" dirty="0" smtClean="0">
+                <a:latin typeface="Segoe UI" panose="020B0502040204020203" pitchFamily="34" charset="0"/>
+                <a:ea typeface="Calibri" panose="020F0502020204030204" pitchFamily="34" charset="0"/>
+                <a:cs typeface="Times New Roman" panose="02020603050405020304" pitchFamily="18" charset="0"/>
+              </a:rPr>
+              <a:t>paintings </a:t>
+            </a:r>
+            <a:r>
+              <a:rPr lang="en" b="1" dirty="0" smtClean="0">
+                <a:latin typeface="Segoe UI" panose="020B0502040204020203" pitchFamily="34" charset="0"/>
+                <a:ea typeface="Calibri" panose="020F0502020204030204" pitchFamily="34" charset="0"/>
+                <a:cs typeface="Times New Roman" panose="02020603050405020304" pitchFamily="18" charset="0"/>
+              </a:rPr>
               <a:t> </a:t>
             </a:r>
             <a:r>
@@ -4394,15 +4418,15 @@
                 <a:ea typeface="Calibri" panose="020F0502020204030204" pitchFamily="34" charset="0"/>
                 <a:cs typeface="Times New Roman" panose="02020603050405020304" pitchFamily="18" charset="0"/>
               </a:rPr>
-              <a:t>and </a:t>
-            </a:r>
-            <a:r>
-              <a:rPr lang="en" b="1" dirty="0" err="1" smtClean="0">
-                <a:latin typeface="Segoe UI" panose="020B0502040204020203" pitchFamily="34" charset="0"/>
-                <a:ea typeface="Calibri" panose="020F0502020204030204" pitchFamily="34" charset="0"/>
-                <a:cs typeface="Times New Roman" panose="02020603050405020304" pitchFamily="18" charset="0"/>
-              </a:rPr>
-              <a:t>FactInternetSales</a:t>
+              <a:t>from </a:t>
+            </a:r>
+            <a:r>
+              <a:rPr lang="en" dirty="0" smtClean="0">
+                <a:latin typeface="Segoe UI" panose="020B0502040204020203" pitchFamily="34" charset="0"/>
+                <a:ea typeface="Calibri" panose="020F0502020204030204" pitchFamily="34" charset="0"/>
+                <a:cs typeface="Times New Roman" panose="02020603050405020304" pitchFamily="18" charset="0"/>
+              </a:rPr>
+              <a:t>the </a:t>
             </a:r>
             <a:r>
               <a:rPr lang="en" b="1" dirty="0" smtClean="0">
@@ -4410,7 +4434,7 @@
                 <a:ea typeface="Calibri" panose="020F0502020204030204" pitchFamily="34" charset="0"/>
                 <a:cs typeface="Times New Roman" panose="02020603050405020304" pitchFamily="18" charset="0"/>
               </a:rPr>
-              <a:t> </a:t>
+              <a:t>Sales.xls</a:t>
             </a:r>
             <a:r>
               <a:rPr lang="en" dirty="0" smtClean="0">
@@ -4418,7 +4442,7 @@
                 <a:ea typeface="Calibri" panose="020F0502020204030204" pitchFamily="34" charset="0"/>
                 <a:cs typeface="Times New Roman" panose="02020603050405020304" pitchFamily="18" charset="0"/>
               </a:rPr>
-              <a:t>paintings </a:t>
+              <a:t> of </a:t>
             </a:r>
             <a:r>
               <a:rPr lang="en" b="1" dirty="0" smtClean="0">
@@ -4426,7 +4450,7 @@
                 <a:ea typeface="Calibri" panose="020F0502020204030204" pitchFamily="34" charset="0"/>
                 <a:cs typeface="Times New Roman" panose="02020603050405020304" pitchFamily="18" charset="0"/>
               </a:rPr>
-              <a:t> </a:t>
+              <a:t>Excel  Sources</a:t>
             </a:r>
             <a:r>
               <a:rPr lang="en" dirty="0" smtClean="0">
@@ -4434,23 +4458,7 @@
                 <a:ea typeface="Calibri" panose="020F0502020204030204" pitchFamily="34" charset="0"/>
                 <a:cs typeface="Times New Roman" panose="02020603050405020304" pitchFamily="18" charset="0"/>
               </a:rPr>
-              <a:t>from the </a:t>
-            </a:r>
-            <a:r>
-              <a:rPr lang="en" b="1" dirty="0" smtClean="0">
-                <a:latin typeface="Segoe UI" panose="020B0502040204020203" pitchFamily="34" charset="0"/>
-                <a:ea typeface="Calibri" panose="020F0502020204030204" pitchFamily="34" charset="0"/>
-                <a:cs typeface="Times New Roman" panose="02020603050405020304" pitchFamily="18" charset="0"/>
-              </a:rPr>
-              <a:t>AdventureWorks2016 database</a:t>
-            </a:r>
-            <a:r>
-              <a:rPr lang="en" dirty="0" smtClean="0">
-                <a:latin typeface="Segoe UI" panose="020B0502040204020203" pitchFamily="34" charset="0"/>
-                <a:ea typeface="Calibri" panose="020F0502020204030204" pitchFamily="34" charset="0"/>
-                <a:cs typeface="Times New Roman" panose="02020603050405020304" pitchFamily="18" charset="0"/>
-              </a:rPr>
-              <a:t> </a:t>
+              <a:t> Folder</a:t>
             </a:r>
             <a:endParaRPr lang="en-US" sz="1400" dirty="0">
               <a:effectLst/>
